--- a/doc/task14/Task14.pptx
+++ b/doc/task14/Task14.pptx
@@ -5,12 +5,14 @@
     <p:sldMasterId id="2147483648" r:id="rId1"/>
   </p:sldMasterIdLst>
   <p:notesMasterIdLst>
-    <p:notesMasterId r:id="rId5"/>
+    <p:notesMasterId r:id="rId7"/>
   </p:notesMasterIdLst>
   <p:sldIdLst>
     <p:sldId id="270" r:id="rId2"/>
     <p:sldId id="271" r:id="rId3"/>
-    <p:sldId id="269" r:id="rId4"/>
+    <p:sldId id="272" r:id="rId4"/>
+    <p:sldId id="273" r:id="rId5"/>
+    <p:sldId id="269" r:id="rId6"/>
   </p:sldIdLst>
   <p:sldSz cx="12192000" cy="6858000"/>
   <p:notesSz cx="6858000" cy="9144000"/>
@@ -211,7 +213,7 @@
             <a:fld id="{5C5501F6-625D-4440-BFE5-621C0F40DF81}" type="datetimeFigureOut">
               <a:rPr lang="de-DE" smtClean="0"/>
               <a:pPr/>
-              <a:t>19.10.2015</a:t>
+              <a:t>19.01.2016</a:t>
             </a:fld>
             <a:endParaRPr lang="de-CH"/>
           </a:p>
@@ -614,7 +616,7 @@
             <a:fld id="{B815E98A-0D5B-4172-A8C9-1641F3C9D774}" type="datetimeFigureOut">
               <a:rPr lang="de-CH" smtClean="0"/>
               <a:pPr/>
-              <a:t>19.10.2015</a:t>
+              <a:t>19.01.2016</a:t>
             </a:fld>
             <a:endParaRPr lang="de-CH"/>
           </a:p>
@@ -786,7 +788,7 @@
             <a:fld id="{B815E98A-0D5B-4172-A8C9-1641F3C9D774}" type="datetimeFigureOut">
               <a:rPr lang="de-CH" smtClean="0"/>
               <a:pPr/>
-              <a:t>19.10.2015</a:t>
+              <a:t>19.01.2016</a:t>
             </a:fld>
             <a:endParaRPr lang="de-CH"/>
           </a:p>
@@ -968,7 +970,7 @@
             <a:fld id="{B815E98A-0D5B-4172-A8C9-1641F3C9D774}" type="datetimeFigureOut">
               <a:rPr lang="de-CH" smtClean="0"/>
               <a:pPr/>
-              <a:t>19.10.2015</a:t>
+              <a:t>19.01.2016</a:t>
             </a:fld>
             <a:endParaRPr lang="de-CH"/>
           </a:p>
@@ -1140,7 +1142,7 @@
             <a:fld id="{B815E98A-0D5B-4172-A8C9-1641F3C9D774}" type="datetimeFigureOut">
               <a:rPr lang="de-CH" smtClean="0"/>
               <a:pPr/>
-              <a:t>19.10.2015</a:t>
+              <a:t>19.01.2016</a:t>
             </a:fld>
             <a:endParaRPr lang="de-CH"/>
           </a:p>
@@ -1388,7 +1390,7 @@
             <a:fld id="{B815E98A-0D5B-4172-A8C9-1641F3C9D774}" type="datetimeFigureOut">
               <a:rPr lang="de-CH" smtClean="0"/>
               <a:pPr/>
-              <a:t>19.10.2015</a:t>
+              <a:t>19.01.2016</a:t>
             </a:fld>
             <a:endParaRPr lang="de-CH"/>
           </a:p>
@@ -1622,7 +1624,7 @@
             <a:fld id="{B815E98A-0D5B-4172-A8C9-1641F3C9D774}" type="datetimeFigureOut">
               <a:rPr lang="de-CH" smtClean="0"/>
               <a:pPr/>
-              <a:t>19.10.2015</a:t>
+              <a:t>19.01.2016</a:t>
             </a:fld>
             <a:endParaRPr lang="de-CH"/>
           </a:p>
@@ -1991,7 +1993,7 @@
             <a:fld id="{B815E98A-0D5B-4172-A8C9-1641F3C9D774}" type="datetimeFigureOut">
               <a:rPr lang="de-CH" smtClean="0"/>
               <a:pPr/>
-              <a:t>19.10.2015</a:t>
+              <a:t>19.01.2016</a:t>
             </a:fld>
             <a:endParaRPr lang="de-CH"/>
           </a:p>
@@ -2111,7 +2113,7 @@
             <a:fld id="{B815E98A-0D5B-4172-A8C9-1641F3C9D774}" type="datetimeFigureOut">
               <a:rPr lang="de-CH" smtClean="0"/>
               <a:pPr/>
-              <a:t>19.10.2015</a:t>
+              <a:t>19.01.2016</a:t>
             </a:fld>
             <a:endParaRPr lang="de-CH"/>
           </a:p>
@@ -2208,7 +2210,7 @@
             <a:fld id="{B815E98A-0D5B-4172-A8C9-1641F3C9D774}" type="datetimeFigureOut">
               <a:rPr lang="de-CH" smtClean="0"/>
               <a:pPr/>
-              <a:t>19.10.2015</a:t>
+              <a:t>19.01.2016</a:t>
             </a:fld>
             <a:endParaRPr lang="de-CH"/>
           </a:p>
@@ -2487,7 +2489,7 @@
             <a:fld id="{B815E98A-0D5B-4172-A8C9-1641F3C9D774}" type="datetimeFigureOut">
               <a:rPr lang="de-CH" smtClean="0"/>
               <a:pPr/>
-              <a:t>19.10.2015</a:t>
+              <a:t>19.01.2016</a:t>
             </a:fld>
             <a:endParaRPr lang="de-CH"/>
           </a:p>
@@ -2742,7 +2744,7 @@
             <a:fld id="{B815E98A-0D5B-4172-A8C9-1641F3C9D774}" type="datetimeFigureOut">
               <a:rPr lang="de-CH" smtClean="0"/>
               <a:pPr/>
-              <a:t>19.10.2015</a:t>
+              <a:t>19.01.2016</a:t>
             </a:fld>
             <a:endParaRPr lang="de-CH"/>
           </a:p>
@@ -2957,7 +2959,7 @@
             <a:fld id="{B815E98A-0D5B-4172-A8C9-1641F3C9D774}" type="datetimeFigureOut">
               <a:rPr lang="de-CH" smtClean="0"/>
               <a:pPr/>
-              <a:t>19.10.2015</a:t>
+              <a:t>19.01.2016</a:t>
             </a:fld>
             <a:endParaRPr lang="de-CH"/>
           </a:p>
@@ -3557,9 +3559,14 @@
           <a:p>
             <a:pPr lvl="1"/>
             <a:r>
-              <a:rPr lang="de-CH" dirty="0"/>
-              <a:t>Mainfeatures</a:t>
-            </a:r>
+              <a:rPr lang="de-CH" dirty="0" smtClean="0"/>
+              <a:t>Main </a:t>
+            </a:r>
+            <a:r>
+              <a:rPr lang="de-CH" dirty="0" err="1" smtClean="0"/>
+              <a:t>features</a:t>
+            </a:r>
+            <a:endParaRPr lang="de-CH" dirty="0"/>
           </a:p>
           <a:p>
             <a:pPr lvl="1"/>
@@ -3655,6 +3662,343 @@
           <a:lstStyle/>
           <a:p>
             <a:r>
+              <a:rPr lang="de-CH" b="1" dirty="0" err="1" smtClean="0">
+                <a:solidFill>
+                  <a:srgbClr val="00B050"/>
+                </a:solidFill>
+              </a:rPr>
+              <a:t>Scoping</a:t>
+            </a:r>
+            <a:endParaRPr lang="de-CH" dirty="0"/>
+          </a:p>
+        </p:txBody>
+      </p:sp>
+      <p:sp>
+        <p:nvSpPr>
+          <p:cNvPr id="3" name="Inhaltsplatzhalter 2"/>
+          <p:cNvSpPr>
+            <a:spLocks noGrp="1"/>
+          </p:cNvSpPr>
+          <p:nvPr>
+            <p:ph idx="1"/>
+          </p:nvPr>
+        </p:nvSpPr>
+        <p:spPr/>
+        <p:txBody>
+          <a:bodyPr>
+            <a:normAutofit/>
+          </a:bodyPr>
+          <a:lstStyle/>
+          <a:p>
+            <a:r>
+              <a:rPr lang="de-CH" dirty="0" smtClean="0"/>
+              <a:t>Patient </a:t>
+            </a:r>
+            <a:r>
+              <a:rPr lang="de-CH" dirty="0" err="1" smtClean="0"/>
+              <a:t>management</a:t>
+            </a:r>
+            <a:r>
+              <a:rPr lang="de-CH" dirty="0" smtClean="0"/>
+              <a:t> </a:t>
+            </a:r>
+            <a:r>
+              <a:rPr lang="de-CH" dirty="0" err="1" smtClean="0"/>
+              <a:t>app</a:t>
+            </a:r>
+            <a:r>
+              <a:rPr lang="de-CH" dirty="0" smtClean="0"/>
+              <a:t> </a:t>
+            </a:r>
+            <a:r>
+              <a:rPr lang="de-CH" dirty="0" err="1" smtClean="0"/>
+              <a:t>for</a:t>
+            </a:r>
+            <a:r>
+              <a:rPr lang="de-CH" dirty="0" smtClean="0"/>
+              <a:t> </a:t>
+            </a:r>
+            <a:r>
+              <a:rPr lang="de-CH" dirty="0" err="1" smtClean="0"/>
+              <a:t>physicians</a:t>
+            </a:r>
+            <a:endParaRPr lang="de-CH" dirty="0" smtClean="0"/>
+          </a:p>
+          <a:p>
+            <a:r>
+              <a:rPr lang="de-CH" dirty="0" smtClean="0"/>
+              <a:t>Open </a:t>
+            </a:r>
+            <a:r>
+              <a:rPr lang="de-CH" dirty="0" err="1" smtClean="0"/>
+              <a:t>given</a:t>
+            </a:r>
+            <a:r>
+              <a:rPr lang="de-CH" dirty="0" smtClean="0"/>
+              <a:t> </a:t>
+            </a:r>
+            <a:r>
+              <a:rPr lang="de-CH" dirty="0" err="1" smtClean="0"/>
+              <a:t>appointments</a:t>
+            </a:r>
+            <a:endParaRPr lang="de-CH" dirty="0" smtClean="0"/>
+          </a:p>
+          <a:p>
+            <a:r>
+              <a:rPr lang="de-CH" dirty="0" err="1" smtClean="0"/>
+              <a:t>Collect</a:t>
+            </a:r>
+            <a:r>
+              <a:rPr lang="de-CH" dirty="0" smtClean="0"/>
+              <a:t> </a:t>
+            </a:r>
+            <a:r>
+              <a:rPr lang="de-CH" dirty="0" err="1" smtClean="0"/>
+              <a:t>or</a:t>
+            </a:r>
+            <a:r>
+              <a:rPr lang="de-CH" dirty="0" smtClean="0"/>
+              <a:t> </a:t>
+            </a:r>
+            <a:r>
+              <a:rPr lang="de-CH" dirty="0" err="1" smtClean="0"/>
+              <a:t>change</a:t>
+            </a:r>
+            <a:r>
+              <a:rPr lang="de-CH" dirty="0" smtClean="0"/>
+              <a:t> </a:t>
+            </a:r>
+            <a:r>
+              <a:rPr lang="de-CH" dirty="0" err="1" smtClean="0"/>
+              <a:t>date</a:t>
+            </a:r>
+            <a:r>
+              <a:rPr lang="de-CH" dirty="0" smtClean="0"/>
+              <a:t> </a:t>
+            </a:r>
+            <a:r>
+              <a:rPr lang="de-CH" dirty="0" err="1" smtClean="0"/>
+              <a:t>of</a:t>
+            </a:r>
+            <a:r>
+              <a:rPr lang="de-CH" dirty="0" smtClean="0"/>
+              <a:t> </a:t>
+            </a:r>
+            <a:r>
+              <a:rPr lang="de-CH" dirty="0" err="1" smtClean="0"/>
+              <a:t>patient</a:t>
+            </a:r>
+            <a:endParaRPr lang="de-CH" dirty="0" smtClean="0"/>
+          </a:p>
+          <a:p>
+            <a:r>
+              <a:rPr lang="de-CH" dirty="0" err="1" smtClean="0"/>
+              <a:t>Define</a:t>
+            </a:r>
+            <a:r>
+              <a:rPr lang="de-CH" dirty="0" smtClean="0"/>
+              <a:t> </a:t>
+            </a:r>
+            <a:r>
+              <a:rPr lang="de-CH" dirty="0" err="1" smtClean="0"/>
+              <a:t>new</a:t>
+            </a:r>
+            <a:r>
+              <a:rPr lang="de-CH" dirty="0" smtClean="0"/>
+              <a:t> </a:t>
+            </a:r>
+            <a:r>
+              <a:rPr lang="de-CH" dirty="0" err="1" smtClean="0"/>
+              <a:t>treatment</a:t>
+            </a:r>
+            <a:r>
+              <a:rPr lang="de-CH" dirty="0" smtClean="0"/>
+              <a:t> </a:t>
+            </a:r>
+            <a:r>
+              <a:rPr lang="de-CH" dirty="0" err="1" smtClean="0"/>
+              <a:t>plans</a:t>
+            </a:r>
+            <a:r>
+              <a:rPr lang="de-CH" dirty="0" smtClean="0"/>
+              <a:t> </a:t>
+            </a:r>
+            <a:endParaRPr lang="de-CH" dirty="0" smtClean="0"/>
+          </a:p>
+        </p:txBody>
+      </p:sp>
+    </p:spTree>
+    <p:extLst>
+      <p:ext uri="{BB962C8B-B14F-4D97-AF65-F5344CB8AC3E}">
+        <p14:creationId xmlns:p14="http://schemas.microsoft.com/office/powerpoint/2010/main" val="1592215552"/>
+      </p:ext>
+    </p:extLst>
+  </p:cSld>
+  <p:clrMapOvr>
+    <a:masterClrMapping/>
+  </p:clrMapOvr>
+  <p:timing>
+    <p:tnLst>
+      <p:par>
+        <p:cTn id="1" dur="indefinite" restart="never" nodeType="tmRoot"/>
+      </p:par>
+    </p:tnLst>
+  </p:timing>
+</p:sld>
+</file>
+
+<file path=ppt/slides/slide4.xml><?xml version="1.0" encoding="utf-8"?>
+<p:sld xmlns:a="http://schemas.openxmlformats.org/drawingml/2006/main" xmlns:r="http://schemas.openxmlformats.org/officeDocument/2006/relationships" xmlns:p="http://schemas.openxmlformats.org/presentationml/2006/main">
+  <p:cSld>
+    <p:spTree>
+      <p:nvGrpSpPr>
+        <p:cNvPr id="1" name=""/>
+        <p:cNvGrpSpPr/>
+        <p:nvPr/>
+      </p:nvGrpSpPr>
+      <p:grpSpPr>
+        <a:xfrm>
+          <a:off x="0" y="0"/>
+          <a:ext cx="0" cy="0"/>
+          <a:chOff x="0" y="0"/>
+          <a:chExt cx="0" cy="0"/>
+        </a:xfrm>
+      </p:grpSpPr>
+      <p:sp>
+        <p:nvSpPr>
+          <p:cNvPr id="2" name="Titel 1"/>
+          <p:cNvSpPr>
+            <a:spLocks noGrp="1"/>
+          </p:cNvSpPr>
+          <p:nvPr>
+            <p:ph type="title"/>
+          </p:nvPr>
+        </p:nvSpPr>
+        <p:spPr/>
+        <p:txBody>
+          <a:bodyPr/>
+          <a:lstStyle/>
+          <a:p>
+            <a:r>
+              <a:rPr lang="de-CH" b="1" dirty="0" smtClean="0">
+                <a:solidFill>
+                  <a:srgbClr val="00B050"/>
+                </a:solidFill>
+              </a:rPr>
+              <a:t>Research</a:t>
+            </a:r>
+            <a:endParaRPr lang="de-CH" dirty="0"/>
+          </a:p>
+        </p:txBody>
+      </p:sp>
+      <p:sp>
+        <p:nvSpPr>
+          <p:cNvPr id="3" name="Inhaltsplatzhalter 2"/>
+          <p:cNvSpPr>
+            <a:spLocks noGrp="1"/>
+          </p:cNvSpPr>
+          <p:nvPr>
+            <p:ph idx="1"/>
+          </p:nvPr>
+        </p:nvSpPr>
+        <p:spPr/>
+        <p:txBody>
+          <a:bodyPr>
+            <a:normAutofit/>
+          </a:bodyPr>
+          <a:lstStyle/>
+          <a:p>
+            <a:r>
+              <a:rPr lang="de-CH" dirty="0" smtClean="0"/>
+              <a:t>Interview </a:t>
+            </a:r>
+            <a:r>
+              <a:rPr lang="de-CH" dirty="0" err="1" smtClean="0"/>
+              <a:t>with</a:t>
+            </a:r>
+            <a:r>
+              <a:rPr lang="de-CH" dirty="0" smtClean="0"/>
+              <a:t> Mr. Lehmann</a:t>
+            </a:r>
+          </a:p>
+          <a:p>
+            <a:r>
+              <a:rPr lang="de-CH" dirty="0" err="1" smtClean="0"/>
+              <a:t>Analyzing</a:t>
+            </a:r>
+            <a:r>
+              <a:rPr lang="de-CH" dirty="0" smtClean="0"/>
+              <a:t> </a:t>
+            </a:r>
+            <a:r>
+              <a:rPr lang="de-CH" dirty="0" err="1" smtClean="0"/>
+              <a:t>existing</a:t>
+            </a:r>
+            <a:r>
+              <a:rPr lang="de-CH" dirty="0" smtClean="0"/>
+              <a:t> </a:t>
+            </a:r>
+            <a:r>
+              <a:rPr lang="de-CH" dirty="0" err="1" smtClean="0"/>
+              <a:t>solutions</a:t>
+            </a:r>
+            <a:endParaRPr lang="de-CH" dirty="0" smtClean="0"/>
+          </a:p>
+        </p:txBody>
+      </p:sp>
+    </p:spTree>
+    <p:extLst>
+      <p:ext uri="{BB962C8B-B14F-4D97-AF65-F5344CB8AC3E}">
+        <p14:creationId xmlns:p14="http://schemas.microsoft.com/office/powerpoint/2010/main" val="2528679063"/>
+      </p:ext>
+    </p:extLst>
+  </p:cSld>
+  <p:clrMapOvr>
+    <a:masterClrMapping/>
+  </p:clrMapOvr>
+  <p:timing>
+    <p:tnLst>
+      <p:par>
+        <p:cTn id="1" dur="indefinite" restart="never" nodeType="tmRoot"/>
+      </p:par>
+    </p:tnLst>
+  </p:timing>
+</p:sld>
+</file>
+
+<file path=ppt/slides/slide5.xml><?xml version="1.0" encoding="utf-8"?>
+<p:sld xmlns:a="http://schemas.openxmlformats.org/drawingml/2006/main" xmlns:r="http://schemas.openxmlformats.org/officeDocument/2006/relationships" xmlns:p="http://schemas.openxmlformats.org/presentationml/2006/main">
+  <p:cSld>
+    <p:spTree>
+      <p:nvGrpSpPr>
+        <p:cNvPr id="1" name=""/>
+        <p:cNvGrpSpPr/>
+        <p:nvPr/>
+      </p:nvGrpSpPr>
+      <p:grpSpPr>
+        <a:xfrm>
+          <a:off x="0" y="0"/>
+          <a:ext cx="0" cy="0"/>
+          <a:chOff x="0" y="0"/>
+          <a:chExt cx="0" cy="0"/>
+        </a:xfrm>
+      </p:grpSpPr>
+      <p:sp>
+        <p:nvSpPr>
+          <p:cNvPr id="2" name="Titel 1"/>
+          <p:cNvSpPr>
+            <a:spLocks noGrp="1"/>
+          </p:cNvSpPr>
+          <p:nvPr>
+            <p:ph type="title"/>
+          </p:nvPr>
+        </p:nvSpPr>
+        <p:spPr/>
+        <p:txBody>
+          <a:bodyPr/>
+          <a:lstStyle/>
+          <a:p>
+            <a:r>
               <a:rPr lang="de-DE" b="1" dirty="0">
                 <a:solidFill>
                   <a:srgbClr val="00B050"/>
@@ -3705,9 +4049,14 @@
           <a:lstStyle/>
           <a:p>
             <a:r>
+              <a:rPr lang="de-CH" dirty="0" err="1" smtClean="0"/>
+              <a:t>Questions</a:t>
+            </a:r>
+            <a:r>
               <a:rPr lang="de-CH" dirty="0" smtClean="0"/>
-              <a:t>Fragen?</a:t>
-            </a:r>
+              <a:t>?</a:t>
+            </a:r>
+            <a:endParaRPr lang="de-CH" dirty="0" smtClean="0"/>
           </a:p>
           <a:p>
             <a:pPr marL="457200" lvl="1" indent="0">

--- a/doc/task14/Task14.pptx
+++ b/doc/task14/Task14.pptx
@@ -5,14 +5,20 @@
     <p:sldMasterId id="2147483648" r:id="rId1"/>
   </p:sldMasterIdLst>
   <p:notesMasterIdLst>
-    <p:notesMasterId r:id="rId7"/>
+    <p:notesMasterId r:id="rId13"/>
   </p:notesMasterIdLst>
   <p:sldIdLst>
     <p:sldId id="270" r:id="rId2"/>
     <p:sldId id="271" r:id="rId3"/>
     <p:sldId id="272" r:id="rId4"/>
     <p:sldId id="273" r:id="rId5"/>
-    <p:sldId id="269" r:id="rId6"/>
+    <p:sldId id="275" r:id="rId6"/>
+    <p:sldId id="276" r:id="rId7"/>
+    <p:sldId id="277" r:id="rId8"/>
+    <p:sldId id="279" r:id="rId9"/>
+    <p:sldId id="280" r:id="rId10"/>
+    <p:sldId id="278" r:id="rId11"/>
+    <p:sldId id="269" r:id="rId12"/>
   </p:sldIdLst>
   <p:sldSz cx="12192000" cy="6858000"/>
   <p:notesSz cx="6858000" cy="9144000"/>
@@ -213,7 +219,7 @@
             <a:fld id="{5C5501F6-625D-4440-BFE5-621C0F40DF81}" type="datetimeFigureOut">
               <a:rPr lang="de-DE" smtClean="0"/>
               <a:pPr/>
-              <a:t>19.01.2016</a:t>
+              <a:t>20.01.2016</a:t>
             </a:fld>
             <a:endParaRPr lang="de-CH"/>
           </a:p>
@@ -616,7 +622,7 @@
             <a:fld id="{B815E98A-0D5B-4172-A8C9-1641F3C9D774}" type="datetimeFigureOut">
               <a:rPr lang="de-CH" smtClean="0"/>
               <a:pPr/>
-              <a:t>19.01.2016</a:t>
+              <a:t>20.01.2016</a:t>
             </a:fld>
             <a:endParaRPr lang="de-CH"/>
           </a:p>
@@ -788,7 +794,7 @@
             <a:fld id="{B815E98A-0D5B-4172-A8C9-1641F3C9D774}" type="datetimeFigureOut">
               <a:rPr lang="de-CH" smtClean="0"/>
               <a:pPr/>
-              <a:t>19.01.2016</a:t>
+              <a:t>20.01.2016</a:t>
             </a:fld>
             <a:endParaRPr lang="de-CH"/>
           </a:p>
@@ -970,7 +976,7 @@
             <a:fld id="{B815E98A-0D5B-4172-A8C9-1641F3C9D774}" type="datetimeFigureOut">
               <a:rPr lang="de-CH" smtClean="0"/>
               <a:pPr/>
-              <a:t>19.01.2016</a:t>
+              <a:t>20.01.2016</a:t>
             </a:fld>
             <a:endParaRPr lang="de-CH"/>
           </a:p>
@@ -1142,7 +1148,7 @@
             <a:fld id="{B815E98A-0D5B-4172-A8C9-1641F3C9D774}" type="datetimeFigureOut">
               <a:rPr lang="de-CH" smtClean="0"/>
               <a:pPr/>
-              <a:t>19.01.2016</a:t>
+              <a:t>20.01.2016</a:t>
             </a:fld>
             <a:endParaRPr lang="de-CH"/>
           </a:p>
@@ -1390,7 +1396,7 @@
             <a:fld id="{B815E98A-0D5B-4172-A8C9-1641F3C9D774}" type="datetimeFigureOut">
               <a:rPr lang="de-CH" smtClean="0"/>
               <a:pPr/>
-              <a:t>19.01.2016</a:t>
+              <a:t>20.01.2016</a:t>
             </a:fld>
             <a:endParaRPr lang="de-CH"/>
           </a:p>
@@ -1624,7 +1630,7 @@
             <a:fld id="{B815E98A-0D5B-4172-A8C9-1641F3C9D774}" type="datetimeFigureOut">
               <a:rPr lang="de-CH" smtClean="0"/>
               <a:pPr/>
-              <a:t>19.01.2016</a:t>
+              <a:t>20.01.2016</a:t>
             </a:fld>
             <a:endParaRPr lang="de-CH"/>
           </a:p>
@@ -1993,7 +1999,7 @@
             <a:fld id="{B815E98A-0D5B-4172-A8C9-1641F3C9D774}" type="datetimeFigureOut">
               <a:rPr lang="de-CH" smtClean="0"/>
               <a:pPr/>
-              <a:t>19.01.2016</a:t>
+              <a:t>20.01.2016</a:t>
             </a:fld>
             <a:endParaRPr lang="de-CH"/>
           </a:p>
@@ -2113,7 +2119,7 @@
             <a:fld id="{B815E98A-0D5B-4172-A8C9-1641F3C9D774}" type="datetimeFigureOut">
               <a:rPr lang="de-CH" smtClean="0"/>
               <a:pPr/>
-              <a:t>19.01.2016</a:t>
+              <a:t>20.01.2016</a:t>
             </a:fld>
             <a:endParaRPr lang="de-CH"/>
           </a:p>
@@ -2210,7 +2216,7 @@
             <a:fld id="{B815E98A-0D5B-4172-A8C9-1641F3C9D774}" type="datetimeFigureOut">
               <a:rPr lang="de-CH" smtClean="0"/>
               <a:pPr/>
-              <a:t>19.01.2016</a:t>
+              <a:t>20.01.2016</a:t>
             </a:fld>
             <a:endParaRPr lang="de-CH"/>
           </a:p>
@@ -2489,7 +2495,7 @@
             <a:fld id="{B815E98A-0D5B-4172-A8C9-1641F3C9D774}" type="datetimeFigureOut">
               <a:rPr lang="de-CH" smtClean="0"/>
               <a:pPr/>
-              <a:t>19.01.2016</a:t>
+              <a:t>20.01.2016</a:t>
             </a:fld>
             <a:endParaRPr lang="de-CH"/>
           </a:p>
@@ -2744,7 +2750,7 @@
             <a:fld id="{B815E98A-0D5B-4172-A8C9-1641F3C9D774}" type="datetimeFigureOut">
               <a:rPr lang="de-CH" smtClean="0"/>
               <a:pPr/>
-              <a:t>19.01.2016</a:t>
+              <a:t>20.01.2016</a:t>
             </a:fld>
             <a:endParaRPr lang="de-CH"/>
           </a:p>
@@ -2959,7 +2965,7 @@
             <a:fld id="{B815E98A-0D5B-4172-A8C9-1641F3C9D774}" type="datetimeFigureOut">
               <a:rPr lang="de-CH" smtClean="0"/>
               <a:pPr/>
-              <a:t>19.01.2016</a:t>
+              <a:t>20.01.2016</a:t>
             </a:fld>
             <a:endParaRPr lang="de-CH"/>
           </a:p>
@@ -3387,18 +3393,34 @@
           <a:p>
             <a:r>
               <a:rPr lang="de-CH" sz="3200" dirty="0" smtClean="0"/>
-              <a:t>Task 3 – SE </a:t>
+              <a:t>Task </a:t>
+            </a:r>
+            <a:r>
+              <a:rPr lang="de-CH" sz="3200" dirty="0" smtClean="0"/>
+              <a:t>14 </a:t>
+            </a:r>
+            <a:r>
+              <a:rPr lang="de-CH" sz="3200" dirty="0" smtClean="0"/>
+              <a:t>– </a:t>
+            </a:r>
+            <a:r>
+              <a:rPr lang="de-CH" sz="3200" dirty="0" smtClean="0"/>
+              <a:t>Final </a:t>
             </a:r>
             <a:r>
               <a:rPr lang="de-CH" sz="3200" dirty="0" err="1" smtClean="0"/>
-              <a:t>Process</a:t>
+              <a:t>Presentation</a:t>
             </a:r>
             <a:endParaRPr lang="de-CH" sz="3200" dirty="0" smtClean="0"/>
           </a:p>
           <a:p>
             <a:r>
+              <a:rPr lang="de-CH" sz="3200" dirty="0" err="1" smtClean="0"/>
+              <a:t>Doctor</a:t>
+            </a:r>
+            <a:r>
               <a:rPr lang="de-CH" sz="3200" dirty="0" smtClean="0"/>
-              <a:t>Projekt MHC-PMS</a:t>
+              <a:t> Green App</a:t>
             </a:r>
             <a:endParaRPr lang="de-CH" sz="3200" dirty="0"/>
           </a:p>
@@ -3454,6 +3476,268 @@
 </p:sld>
 </file>
 
+<file path=ppt/slides/slide10.xml><?xml version="1.0" encoding="utf-8"?>
+<p:sld xmlns:a="http://schemas.openxmlformats.org/drawingml/2006/main" xmlns:r="http://schemas.openxmlformats.org/officeDocument/2006/relationships" xmlns:p="http://schemas.openxmlformats.org/presentationml/2006/main">
+  <p:cSld>
+    <p:spTree>
+      <p:nvGrpSpPr>
+        <p:cNvPr id="1" name=""/>
+        <p:cNvGrpSpPr/>
+        <p:nvPr/>
+      </p:nvGrpSpPr>
+      <p:grpSpPr>
+        <a:xfrm>
+          <a:off x="0" y="0"/>
+          <a:ext cx="0" cy="0"/>
+          <a:chOff x="0" y="0"/>
+          <a:chExt cx="0" cy="0"/>
+        </a:xfrm>
+      </p:grpSpPr>
+      <p:sp>
+        <p:nvSpPr>
+          <p:cNvPr id="2" name="Titel 1"/>
+          <p:cNvSpPr>
+            <a:spLocks noGrp="1"/>
+          </p:cNvSpPr>
+          <p:nvPr>
+            <p:ph type="title"/>
+          </p:nvPr>
+        </p:nvSpPr>
+        <p:spPr/>
+        <p:txBody>
+          <a:bodyPr/>
+          <a:lstStyle/>
+          <a:p>
+            <a:r>
+              <a:rPr lang="de-CH" b="1" dirty="0" smtClean="0">
+                <a:solidFill>
+                  <a:srgbClr val="00B050"/>
+                </a:solidFill>
+              </a:rPr>
+              <a:t>Learning </a:t>
+            </a:r>
+            <a:r>
+              <a:rPr lang="de-CH" b="1" dirty="0" err="1" smtClean="0">
+                <a:solidFill>
+                  <a:srgbClr val="00B050"/>
+                </a:solidFill>
+              </a:rPr>
+              <a:t>Process</a:t>
+            </a:r>
+            <a:endParaRPr lang="de-CH" dirty="0"/>
+          </a:p>
+        </p:txBody>
+      </p:sp>
+      <p:sp>
+        <p:nvSpPr>
+          <p:cNvPr id="3" name="Inhaltsplatzhalter 2"/>
+          <p:cNvSpPr>
+            <a:spLocks noGrp="1"/>
+          </p:cNvSpPr>
+          <p:nvPr>
+            <p:ph idx="1"/>
+          </p:nvPr>
+        </p:nvSpPr>
+        <p:spPr/>
+        <p:txBody>
+          <a:bodyPr>
+            <a:normAutofit/>
+          </a:bodyPr>
+          <a:lstStyle/>
+          <a:p>
+            <a:r>
+              <a:rPr lang="de-CH" dirty="0" smtClean="0"/>
+              <a:t>Storyboards</a:t>
+            </a:r>
+          </a:p>
+          <a:p>
+            <a:r>
+              <a:rPr lang="de-CH" dirty="0" err="1" smtClean="0"/>
+              <a:t>Requirements</a:t>
+            </a:r>
+            <a:endParaRPr lang="de-CH" dirty="0" smtClean="0"/>
+          </a:p>
+          <a:p>
+            <a:r>
+              <a:rPr lang="de-CH" dirty="0" smtClean="0"/>
+              <a:t>Design</a:t>
+            </a:r>
+          </a:p>
+          <a:p>
+            <a:r>
+              <a:rPr lang="de-CH" dirty="0" smtClean="0"/>
+              <a:t>Implementation</a:t>
+            </a:r>
+            <a:endParaRPr lang="de-CH" dirty="0"/>
+          </a:p>
+          <a:p>
+            <a:endParaRPr lang="de-CH" dirty="0" smtClean="0"/>
+          </a:p>
+        </p:txBody>
+      </p:sp>
+    </p:spTree>
+    <p:extLst>
+      <p:ext uri="{BB962C8B-B14F-4D97-AF65-F5344CB8AC3E}">
+        <p14:creationId xmlns:p14="http://schemas.microsoft.com/office/powerpoint/2010/main" val="465705622"/>
+      </p:ext>
+    </p:extLst>
+  </p:cSld>
+  <p:clrMapOvr>
+    <a:masterClrMapping/>
+  </p:clrMapOvr>
+  <p:timing>
+    <p:tnLst>
+      <p:par>
+        <p:cTn id="1" dur="indefinite" restart="never" nodeType="tmRoot"/>
+      </p:par>
+    </p:tnLst>
+  </p:timing>
+</p:sld>
+</file>
+
+<file path=ppt/slides/slide11.xml><?xml version="1.0" encoding="utf-8"?>
+<p:sld xmlns:a="http://schemas.openxmlformats.org/drawingml/2006/main" xmlns:r="http://schemas.openxmlformats.org/officeDocument/2006/relationships" xmlns:p="http://schemas.openxmlformats.org/presentationml/2006/main">
+  <p:cSld>
+    <p:spTree>
+      <p:nvGrpSpPr>
+        <p:cNvPr id="1" name=""/>
+        <p:cNvGrpSpPr/>
+        <p:nvPr/>
+      </p:nvGrpSpPr>
+      <p:grpSpPr>
+        <a:xfrm>
+          <a:off x="0" y="0"/>
+          <a:ext cx="0" cy="0"/>
+          <a:chOff x="0" y="0"/>
+          <a:chExt cx="0" cy="0"/>
+        </a:xfrm>
+      </p:grpSpPr>
+      <p:sp>
+        <p:nvSpPr>
+          <p:cNvPr id="2" name="Titel 1"/>
+          <p:cNvSpPr>
+            <a:spLocks noGrp="1"/>
+          </p:cNvSpPr>
+          <p:nvPr>
+            <p:ph type="title"/>
+          </p:nvPr>
+        </p:nvSpPr>
+        <p:spPr/>
+        <p:txBody>
+          <a:bodyPr/>
+          <a:lstStyle/>
+          <a:p>
+            <a:r>
+              <a:rPr lang="de-DE" b="1" dirty="0" err="1" smtClean="0">
+                <a:solidFill>
+                  <a:srgbClr val="00B050"/>
+                </a:solidFill>
+              </a:rPr>
+              <a:t>Questions</a:t>
+            </a:r>
+            <a:r>
+              <a:rPr lang="de-DE" b="1" dirty="0" smtClean="0">
+                <a:solidFill>
+                  <a:srgbClr val="00B050"/>
+                </a:solidFill>
+              </a:rPr>
+              <a:t>?</a:t>
+            </a:r>
+            <a:endParaRPr lang="en-GB" dirty="0"/>
+          </a:p>
+        </p:txBody>
+      </p:sp>
+      <p:sp>
+        <p:nvSpPr>
+          <p:cNvPr id="5" name="Inhaltsplatzhalter 2"/>
+          <p:cNvSpPr>
+            <a:spLocks noGrp="1"/>
+          </p:cNvSpPr>
+          <p:nvPr>
+            <p:ph idx="1"/>
+          </p:nvPr>
+        </p:nvSpPr>
+        <p:spPr>
+          <a:xfrm>
+            <a:off x="838200" y="1825624"/>
+            <a:ext cx="9706897" cy="4595495"/>
+          </a:xfrm>
+        </p:spPr>
+        <p:txBody>
+          <a:bodyPr>
+            <a:normAutofit/>
+          </a:bodyPr>
+          <a:lstStyle/>
+          <a:p>
+            <a:pPr marL="457200" lvl="1" indent="0">
+              <a:buNone/>
+            </a:pPr>
+            <a:endParaRPr lang="de-CH" dirty="0"/>
+          </a:p>
+          <a:p>
+            <a:pPr marL="457200" lvl="1" indent="0">
+              <a:buNone/>
+            </a:pPr>
+            <a:endParaRPr lang="de-CH" dirty="0"/>
+          </a:p>
+          <a:p>
+            <a:pPr marL="0" indent="0">
+              <a:buNone/>
+            </a:pPr>
+            <a:endParaRPr lang="de-CH" dirty="0"/>
+          </a:p>
+        </p:txBody>
+      </p:sp>
+      <p:pic>
+        <p:nvPicPr>
+          <p:cNvPr id="7" name="Grafik 6"/>
+          <p:cNvPicPr>
+            <a:picLocks noChangeAspect="1"/>
+          </p:cNvPicPr>
+          <p:nvPr/>
+        </p:nvPicPr>
+        <p:blipFill>
+          <a:blip r:embed="rId2">
+            <a:extLst>
+              <a:ext uri="{28A0092B-C50C-407E-A947-70E740481C1C}">
+                <a14:useLocalDpi xmlns:a14="http://schemas.microsoft.com/office/drawing/2010/main" val="0"/>
+              </a:ext>
+            </a:extLst>
+          </a:blip>
+          <a:stretch>
+            <a:fillRect/>
+          </a:stretch>
+        </p:blipFill>
+        <p:spPr>
+          <a:xfrm>
+            <a:off x="4126756" y="2238055"/>
+            <a:ext cx="3938488" cy="4318000"/>
+          </a:xfrm>
+          <a:prstGeom prst="rect">
+            <a:avLst/>
+          </a:prstGeom>
+        </p:spPr>
+      </p:pic>
+    </p:spTree>
+    <p:extLst>
+      <p:ext uri="{BB962C8B-B14F-4D97-AF65-F5344CB8AC3E}">
+        <p14:creationId xmlns:p14="http://schemas.microsoft.com/office/powerpoint/2010/main" val="3841519463"/>
+      </p:ext>
+    </p:extLst>
+  </p:cSld>
+  <p:clrMapOvr>
+    <a:masterClrMapping/>
+  </p:clrMapOvr>
+  <p:timing>
+    <p:tnLst>
+      <p:par>
+        <p:cTn id="1" dur="indefinite" restart="never" nodeType="tmRoot"/>
+      </p:par>
+    </p:tnLst>
+  </p:timing>
+</p:sld>
+</file>
+
 <file path=ppt/slides/slide2.xml><?xml version="1.0" encoding="utf-8"?>
 <p:sld xmlns:a="http://schemas.openxmlformats.org/drawingml/2006/main" xmlns:r="http://schemas.openxmlformats.org/officeDocument/2006/relationships" xmlns:p="http://schemas.openxmlformats.org/presentationml/2006/main">
   <p:cSld>
@@ -3520,8 +3804,16 @@
               <a:buAutoNum type="arabicPeriod"/>
             </a:pPr>
             <a:r>
+              <a:rPr lang="de-CH" dirty="0" smtClean="0"/>
+              <a:t>Demo </a:t>
+            </a:r>
+            <a:r>
               <a:rPr lang="de-CH" dirty="0" err="1" smtClean="0"/>
-              <a:t>Scoping</a:t>
+              <a:t>of</a:t>
+            </a:r>
+            <a:r>
+              <a:rPr lang="de-CH" dirty="0" smtClean="0"/>
+              <a:t> Prototype</a:t>
             </a:r>
             <a:endParaRPr lang="de-CH" dirty="0" smtClean="0"/>
           </a:p>
@@ -3532,8 +3824,9 @@
             </a:pPr>
             <a:r>
               <a:rPr lang="de-CH" dirty="0" smtClean="0"/>
-              <a:t>Research</a:t>
-            </a:r>
+              <a:t>Code Review</a:t>
+            </a:r>
+            <a:endParaRPr lang="de-CH" dirty="0"/>
           </a:p>
           <a:p>
             <a:pPr marL="514350" indent="-514350">
@@ -3541,8 +3834,76 @@
               <a:buAutoNum type="arabicPeriod"/>
             </a:pPr>
             <a:r>
+              <a:rPr lang="de-CH" dirty="0"/>
+              <a:t>Personal </a:t>
+            </a:r>
+            <a:r>
+              <a:rPr lang="de-CH" dirty="0" err="1"/>
+              <a:t>Contribution</a:t>
+            </a:r>
+            <a:r>
+              <a:rPr lang="de-CH" dirty="0"/>
+              <a:t> </a:t>
+            </a:r>
+            <a:r>
+              <a:rPr lang="de-CH" dirty="0" err="1"/>
+              <a:t>of</a:t>
+            </a:r>
+            <a:r>
+              <a:rPr lang="de-CH" dirty="0"/>
+              <a:t> </a:t>
+            </a:r>
+            <a:r>
+              <a:rPr lang="de-CH" dirty="0" err="1"/>
+              <a:t>each</a:t>
+            </a:r>
+            <a:r>
+              <a:rPr lang="de-CH" dirty="0"/>
+              <a:t> Team </a:t>
+            </a:r>
+            <a:r>
+              <a:rPr lang="de-CH" dirty="0" err="1"/>
+              <a:t>member</a:t>
+            </a:r>
+            <a:endParaRPr lang="de-CH" dirty="0"/>
+          </a:p>
+          <a:p>
+            <a:pPr lvl="1"/>
+            <a:r>
               <a:rPr lang="de-CH" dirty="0" err="1" smtClean="0"/>
-              <a:t>Synthesize</a:t>
+              <a:t>Me</a:t>
+            </a:r>
+            <a:r>
+              <a:rPr lang="de-CH" dirty="0" smtClean="0"/>
+              <a:t>, </a:t>
+            </a:r>
+            <a:r>
+              <a:rPr lang="de-CH" dirty="0" err="1"/>
+              <a:t>m</a:t>
+            </a:r>
+            <a:r>
+              <a:rPr lang="de-CH" dirty="0" err="1" smtClean="0"/>
+              <a:t>y</a:t>
+            </a:r>
+            <a:r>
+              <a:rPr lang="de-CH" dirty="0" smtClean="0"/>
+              <a:t> Team </a:t>
+            </a:r>
+            <a:r>
+              <a:rPr lang="de-CH" dirty="0" err="1" smtClean="0"/>
+              <a:t>and</a:t>
+            </a:r>
+            <a:r>
+              <a:rPr lang="de-CH" dirty="0" smtClean="0"/>
+              <a:t> </a:t>
+            </a:r>
+            <a:r>
+              <a:rPr lang="de-CH" dirty="0" err="1" smtClean="0"/>
+              <a:t>the</a:t>
+            </a:r>
+            <a:r>
+              <a:rPr lang="de-CH" dirty="0" smtClean="0"/>
+              <a:t> Course</a:t>
             </a:r>
             <a:endParaRPr lang="de-CH" dirty="0" smtClean="0"/>
           </a:p>
@@ -3553,58 +3914,47 @@
             </a:pPr>
             <a:r>
               <a:rPr lang="de-CH" dirty="0" smtClean="0"/>
-              <a:t>Design</a:t>
-            </a:r>
+              <a:t>Learning </a:t>
+            </a:r>
+            <a:r>
+              <a:rPr lang="de-CH" dirty="0" err="1" smtClean="0"/>
+              <a:t>Process</a:t>
+            </a:r>
+            <a:endParaRPr lang="de-CH" dirty="0"/>
           </a:p>
           <a:p>
             <a:pPr lvl="1"/>
             <a:r>
+              <a:rPr lang="de-CH" dirty="0" err="1" smtClean="0"/>
+              <a:t>Scrum</a:t>
+            </a:r>
+            <a:r>
               <a:rPr lang="de-CH" dirty="0" smtClean="0"/>
-              <a:t>Main </a:t>
+              <a:t> </a:t>
             </a:r>
             <a:r>
               <a:rPr lang="de-CH" dirty="0" err="1" smtClean="0"/>
-              <a:t>features</a:t>
-            </a:r>
-            <a:endParaRPr lang="de-CH" dirty="0"/>
+              <a:t>Retrospective</a:t>
+            </a:r>
+            <a:endParaRPr lang="de-CH" dirty="0" smtClean="0"/>
           </a:p>
           <a:p>
             <a:pPr lvl="1"/>
             <a:r>
-              <a:rPr lang="de-CH" dirty="0" smtClean="0"/>
-              <a:t>Storyboard</a:t>
-            </a:r>
-          </a:p>
-          <a:p>
-            <a:pPr marL="514350" indent="-514350">
-              <a:buFont typeface="+mj-lt"/>
-              <a:buAutoNum type="arabicPeriod"/>
-            </a:pPr>
-            <a:r>
-              <a:rPr lang="de-CH" dirty="0" err="1" smtClean="0"/>
-              <a:t>Prototyping</a:t>
-            </a:r>
-            <a:endParaRPr lang="de-CH" dirty="0" smtClean="0"/>
-          </a:p>
-          <a:p>
-            <a:pPr marL="514350" indent="-514350">
-              <a:buFont typeface="+mj-lt"/>
-              <a:buAutoNum type="arabicPeriod"/>
-            </a:pPr>
-            <a:r>
-              <a:rPr lang="de-CH" dirty="0" smtClean="0"/>
-              <a:t>Validation</a:t>
-            </a:r>
-          </a:p>
-          <a:p>
-            <a:pPr marL="514350" indent="-514350">
-              <a:buFont typeface="+mj-lt"/>
-              <a:buAutoNum type="arabicPeriod"/>
-            </a:pPr>
-            <a:r>
-              <a:rPr lang="de-CH" dirty="0" err="1" smtClean="0"/>
-              <a:t>Discussion</a:t>
-            </a:r>
+              <a:rPr lang="de-CH" dirty="0"/>
+              <a:t>Storyboard – </a:t>
+            </a:r>
+            <a:r>
+              <a:rPr lang="de-CH" dirty="0" err="1"/>
+              <a:t>Requirements</a:t>
+            </a:r>
+            <a:r>
+              <a:rPr lang="de-CH" dirty="0"/>
+              <a:t> – Design – Implementation </a:t>
+            </a:r>
+          </a:p>
+          <a:p>
+            <a:pPr lvl="1"/>
             <a:endParaRPr lang="de-CH" dirty="0" smtClean="0"/>
           </a:p>
         </p:txBody>
@@ -3662,12 +4012,12 @@
           <a:lstStyle/>
           <a:p>
             <a:r>
-              <a:rPr lang="de-CH" b="1" dirty="0" err="1" smtClean="0">
+              <a:rPr lang="de-CH" b="1" dirty="0" smtClean="0">
                 <a:solidFill>
                   <a:srgbClr val="00B050"/>
                 </a:solidFill>
               </a:rPr>
-              <a:t>Scoping</a:t>
+              <a:t>Demo</a:t>
             </a:r>
             <a:endParaRPr lang="de-CH" dirty="0"/>
           </a:p>
@@ -3690,138 +4040,14 @@
           </a:bodyPr>
           <a:lstStyle/>
           <a:p>
-            <a:r>
-              <a:rPr lang="de-CH" dirty="0" smtClean="0"/>
-              <a:t>Patient </a:t>
-            </a:r>
-            <a:r>
-              <a:rPr lang="de-CH" dirty="0" err="1" smtClean="0"/>
-              <a:t>management</a:t>
-            </a:r>
-            <a:r>
-              <a:rPr lang="de-CH" dirty="0" smtClean="0"/>
-              <a:t> </a:t>
-            </a:r>
-            <a:r>
-              <a:rPr lang="de-CH" dirty="0" err="1" smtClean="0"/>
-              <a:t>app</a:t>
-            </a:r>
-            <a:r>
-              <a:rPr lang="de-CH" dirty="0" smtClean="0"/>
-              <a:t> </a:t>
-            </a:r>
-            <a:r>
-              <a:rPr lang="de-CH" dirty="0" err="1" smtClean="0"/>
-              <a:t>for</a:t>
-            </a:r>
-            <a:r>
-              <a:rPr lang="de-CH" dirty="0" smtClean="0"/>
-              <a:t> </a:t>
-            </a:r>
-            <a:r>
-              <a:rPr lang="de-CH" dirty="0" err="1" smtClean="0"/>
-              <a:t>physicians</a:t>
-            </a:r>
-            <a:endParaRPr lang="de-CH" dirty="0" smtClean="0"/>
-          </a:p>
-          <a:p>
-            <a:r>
-              <a:rPr lang="de-CH" dirty="0" smtClean="0"/>
-              <a:t>Open </a:t>
-            </a:r>
-            <a:r>
-              <a:rPr lang="de-CH" dirty="0" err="1" smtClean="0"/>
-              <a:t>given</a:t>
-            </a:r>
-            <a:r>
-              <a:rPr lang="de-CH" dirty="0" smtClean="0"/>
-              <a:t> </a:t>
-            </a:r>
-            <a:r>
-              <a:rPr lang="de-CH" dirty="0" err="1" smtClean="0"/>
-              <a:t>appointments</a:t>
-            </a:r>
-            <a:endParaRPr lang="de-CH" dirty="0" smtClean="0"/>
-          </a:p>
-          <a:p>
-            <a:r>
-              <a:rPr lang="de-CH" dirty="0" err="1" smtClean="0"/>
-              <a:t>Collect</a:t>
-            </a:r>
-            <a:r>
-              <a:rPr lang="de-CH" dirty="0" smtClean="0"/>
-              <a:t> </a:t>
-            </a:r>
-            <a:r>
-              <a:rPr lang="de-CH" dirty="0" err="1" smtClean="0"/>
-              <a:t>or</a:t>
-            </a:r>
-            <a:r>
-              <a:rPr lang="de-CH" dirty="0" smtClean="0"/>
-              <a:t> </a:t>
-            </a:r>
-            <a:r>
-              <a:rPr lang="de-CH" dirty="0" err="1" smtClean="0"/>
-              <a:t>change</a:t>
-            </a:r>
-            <a:r>
-              <a:rPr lang="de-CH" dirty="0" smtClean="0"/>
-              <a:t> </a:t>
-            </a:r>
-            <a:r>
-              <a:rPr lang="de-CH" dirty="0" err="1" smtClean="0"/>
-              <a:t>date</a:t>
-            </a:r>
-            <a:r>
-              <a:rPr lang="de-CH" dirty="0" smtClean="0"/>
-              <a:t> </a:t>
-            </a:r>
-            <a:r>
-              <a:rPr lang="de-CH" dirty="0" err="1" smtClean="0"/>
-              <a:t>of</a:t>
-            </a:r>
-            <a:r>
-              <a:rPr lang="de-CH" dirty="0" smtClean="0"/>
-              <a:t> </a:t>
-            </a:r>
-            <a:r>
-              <a:rPr lang="de-CH" dirty="0" err="1" smtClean="0"/>
-              <a:t>patient</a:t>
-            </a:r>
-            <a:endParaRPr lang="de-CH" dirty="0" smtClean="0"/>
-          </a:p>
-          <a:p>
-            <a:r>
-              <a:rPr lang="de-CH" dirty="0" err="1" smtClean="0"/>
-              <a:t>Define</a:t>
-            </a:r>
-            <a:r>
-              <a:rPr lang="de-CH" dirty="0" smtClean="0"/>
-              <a:t> </a:t>
-            </a:r>
-            <a:r>
-              <a:rPr lang="de-CH" dirty="0" err="1" smtClean="0"/>
-              <a:t>new</a:t>
-            </a:r>
-            <a:r>
-              <a:rPr lang="de-CH" dirty="0" smtClean="0"/>
-              <a:t> </a:t>
-            </a:r>
-            <a:r>
-              <a:rPr lang="de-CH" dirty="0" err="1" smtClean="0"/>
-              <a:t>treatment</a:t>
-            </a:r>
-            <a:r>
-              <a:rPr lang="de-CH" dirty="0" smtClean="0"/>
-              <a:t> </a:t>
-            </a:r>
-            <a:r>
-              <a:rPr lang="de-CH" dirty="0" err="1" smtClean="0"/>
-              <a:t>plans</a:t>
-            </a:r>
-            <a:r>
-              <a:rPr lang="de-CH" dirty="0" smtClean="0"/>
-              <a:t> </a:t>
+            <a:pPr marL="0" indent="0">
+              <a:buNone/>
+            </a:pPr>
+            <a:r>
+              <a:rPr lang="de-CH" dirty="0">
+                <a:hlinkClick r:id="rId2"/>
+              </a:rPr>
+              <a:t>http://localhost:8080/</a:t>
             </a:r>
             <a:endParaRPr lang="de-CH" dirty="0" smtClean="0"/>
           </a:p>
@@ -3885,7 +4111,23 @@
                   <a:srgbClr val="00B050"/>
                 </a:solidFill>
               </a:rPr>
-              <a:t>Research</a:t>
+              <a:t>Code Review (</a:t>
+            </a:r>
+            <a:r>
+              <a:rPr lang="de-CH" b="1" dirty="0" err="1" smtClean="0">
+                <a:solidFill>
+                  <a:srgbClr val="00B050"/>
+                </a:solidFill>
+              </a:rPr>
+              <a:t>Mele</a:t>
+            </a:r>
+            <a:r>
+              <a:rPr lang="de-CH" b="1" dirty="0" smtClean="0">
+                <a:solidFill>
+                  <a:srgbClr val="00B050"/>
+                </a:solidFill>
+              </a:rPr>
+              <a:t>)</a:t>
             </a:r>
             <a:endParaRPr lang="de-CH" dirty="0"/>
           </a:p>
@@ -3910,37 +4152,19 @@
           <a:p>
             <a:r>
               <a:rPr lang="de-CH" dirty="0" smtClean="0"/>
-              <a:t>Interview </a:t>
-            </a:r>
-            <a:r>
-              <a:rPr lang="de-CH" dirty="0" err="1" smtClean="0"/>
-              <a:t>with</a:t>
-            </a:r>
+              <a:t>Login View</a:t>
+            </a:r>
+          </a:p>
+          <a:p>
             <a:r>
               <a:rPr lang="de-CH" dirty="0" smtClean="0"/>
-              <a:t> Mr. Lehmann</a:t>
-            </a:r>
-          </a:p>
-          <a:p>
-            <a:r>
-              <a:rPr lang="de-CH" dirty="0" err="1" smtClean="0"/>
-              <a:t>Analyzing</a:t>
-            </a:r>
+              <a:t>Home View</a:t>
+            </a:r>
+          </a:p>
+          <a:p>
             <a:r>
               <a:rPr lang="de-CH" dirty="0" smtClean="0"/>
-              <a:t> </a:t>
-            </a:r>
-            <a:r>
-              <a:rPr lang="de-CH" dirty="0" err="1" smtClean="0"/>
-              <a:t>existing</a:t>
-            </a:r>
-            <a:r>
-              <a:rPr lang="de-CH" dirty="0" smtClean="0"/>
-              <a:t> </a:t>
-            </a:r>
-            <a:r>
-              <a:rPr lang="de-CH" dirty="0" err="1" smtClean="0"/>
-              <a:t>solutions</a:t>
+              <a:t>(State Pattern)</a:t>
             </a:r>
             <a:endParaRPr lang="de-CH" dirty="0" smtClean="0"/>
           </a:p>
@@ -3993,42 +4217,47 @@
             <p:ph type="title"/>
           </p:nvPr>
         </p:nvSpPr>
-        <p:spPr/>
-        <p:txBody>
-          <a:bodyPr/>
-          <a:lstStyle/>
-          <a:p>
-            <a:r>
-              <a:rPr lang="de-DE" b="1" dirty="0">
+        <p:spPr>
+          <a:xfrm>
+            <a:off x="838200" y="3095072"/>
+            <a:ext cx="10515600" cy="1325563"/>
+          </a:xfrm>
+        </p:spPr>
+        <p:txBody>
+          <a:bodyPr/>
+          <a:lstStyle/>
+          <a:p>
+            <a:r>
+              <a:rPr lang="de-CH" b="1" dirty="0" smtClean="0">
                 <a:solidFill>
                   <a:srgbClr val="00B050"/>
                 </a:solidFill>
               </a:rPr>
-              <a:t>7</a:t>
-            </a:r>
-            <a:r>
-              <a:rPr lang="de-DE" b="1" dirty="0" smtClean="0">
+              <a:t>Code Review (</a:t>
+            </a:r>
+            <a:r>
+              <a:rPr lang="de-CH" b="1" dirty="0" err="1" smtClean="0">
                 <a:solidFill>
                   <a:srgbClr val="00B050"/>
                 </a:solidFill>
               </a:rPr>
-              <a:t>. </a:t>
-            </a:r>
-            <a:r>
-              <a:rPr lang="de-DE" b="1" dirty="0" err="1" smtClean="0">
+              <a:t>Portmann</a:t>
+            </a:r>
+            <a:r>
+              <a:rPr lang="de-CH" b="1" dirty="0" smtClean="0">
                 <a:solidFill>
                   <a:srgbClr val="00B050"/>
                 </a:solidFill>
               </a:rPr>
-              <a:t>Discussion</a:t>
-            </a:r>
-            <a:endParaRPr lang="en-GB" dirty="0"/>
-          </a:p>
-        </p:txBody>
-      </p:sp>
-      <p:sp>
-        <p:nvSpPr>
-          <p:cNvPr id="5" name="Inhaltsplatzhalter 2"/>
+              <a:t>)</a:t>
+            </a:r>
+            <a:endParaRPr lang="de-CH" dirty="0"/>
+          </a:p>
+        </p:txBody>
+      </p:sp>
+      <p:sp>
+        <p:nvSpPr>
+          <p:cNvPr id="3" name="Inhaltsplatzhalter 2"/>
           <p:cNvSpPr>
             <a:spLocks noGrp="1"/>
           </p:cNvSpPr>
@@ -4038,8 +4267,8 @@
         </p:nvSpPr>
         <p:spPr>
           <a:xfrm>
-            <a:off x="838200" y="1825624"/>
-            <a:ext cx="9706897" cy="4595495"/>
+            <a:off x="838200" y="4638261"/>
+            <a:ext cx="10515600" cy="1538702"/>
           </a:xfrm>
         </p:spPr>
         <p:txBody>
@@ -4049,59 +4278,729 @@
           <a:lstStyle/>
           <a:p>
             <a:r>
+              <a:rPr lang="de-CH" dirty="0" smtClean="0"/>
+              <a:t>Patient Search</a:t>
+            </a:r>
+          </a:p>
+          <a:p>
+            <a:r>
+              <a:rPr lang="de-CH" dirty="0" smtClean="0"/>
+              <a:t>Patient View </a:t>
+            </a:r>
+            <a:r>
               <a:rPr lang="de-CH" dirty="0" err="1" smtClean="0"/>
-              <a:t>Questions</a:t>
+              <a:t>and</a:t>
             </a:r>
             <a:r>
               <a:rPr lang="de-CH" dirty="0" smtClean="0"/>
-              <a:t>?</a:t>
+              <a:t> Controller</a:t>
             </a:r>
             <a:endParaRPr lang="de-CH" dirty="0" smtClean="0"/>
           </a:p>
-          <a:p>
-            <a:pPr marL="457200" lvl="1" indent="0">
+        </p:txBody>
+      </p:sp>
+      <p:sp>
+        <p:nvSpPr>
+          <p:cNvPr id="4" name="Titel 1"/>
+          <p:cNvSpPr txBox="1">
+            <a:spLocks/>
+          </p:cNvSpPr>
+          <p:nvPr/>
+        </p:nvSpPr>
+        <p:spPr>
+          <a:xfrm>
+            <a:off x="838200" y="365125"/>
+            <a:ext cx="10515600" cy="1325563"/>
+          </a:xfrm>
+          <a:prstGeom prst="rect">
+            <a:avLst/>
+          </a:prstGeom>
+        </p:spPr>
+        <p:txBody>
+          <a:bodyPr vert="horz" lIns="91440" tIns="45720" rIns="91440" bIns="45720" rtlCol="0" anchor="ctr">
+            <a:normAutofit/>
+          </a:bodyPr>
+          <a:lstStyle>
+            <a:lvl1pPr algn="l" defTabSz="914400" rtl="0" eaLnBrk="1" latinLnBrk="0" hangingPunct="1">
+              <a:lnSpc>
+                <a:spcPct val="90000"/>
+              </a:lnSpc>
+              <a:spcBef>
+                <a:spcPct val="0"/>
+              </a:spcBef>
+              <a:buNone/>
+              <a:defRPr sz="4400" kern="1200">
+                <a:solidFill>
+                  <a:schemeClr val="tx1"/>
+                </a:solidFill>
+                <a:latin typeface="+mj-lt"/>
+                <a:ea typeface="+mj-ea"/>
+                <a:cs typeface="+mj-cs"/>
+              </a:defRPr>
+            </a:lvl1pPr>
+          </a:lstStyle>
+          <a:p>
+            <a:r>
+              <a:rPr lang="de-CH" b="1" smtClean="0">
+                <a:solidFill>
+                  <a:srgbClr val="00B050"/>
+                </a:solidFill>
+              </a:rPr>
+              <a:t>Code Review (Pfister)</a:t>
+            </a:r>
+            <a:endParaRPr lang="de-CH" dirty="0"/>
+          </a:p>
+        </p:txBody>
+      </p:sp>
+      <p:sp>
+        <p:nvSpPr>
+          <p:cNvPr id="5" name="Inhaltsplatzhalter 2"/>
+          <p:cNvSpPr txBox="1">
+            <a:spLocks/>
+          </p:cNvSpPr>
+          <p:nvPr/>
+        </p:nvSpPr>
+        <p:spPr>
+          <a:xfrm>
+            <a:off x="838200" y="1825625"/>
+            <a:ext cx="10515600" cy="811558"/>
+          </a:xfrm>
+          <a:prstGeom prst="rect">
+            <a:avLst/>
+          </a:prstGeom>
+        </p:spPr>
+        <p:txBody>
+          <a:bodyPr vert="horz" lIns="91440" tIns="45720" rIns="91440" bIns="45720" rtlCol="0">
+            <a:normAutofit/>
+          </a:bodyPr>
+          <a:lstStyle>
+            <a:lvl1pPr marL="228600" indent="-228600" algn="l" defTabSz="914400" rtl="0" eaLnBrk="1" latinLnBrk="0" hangingPunct="1">
+              <a:lnSpc>
+                <a:spcPct val="90000"/>
+              </a:lnSpc>
+              <a:spcBef>
+                <a:spcPts val="1000"/>
+              </a:spcBef>
+              <a:buFont typeface="Arial" panose="020B0604020202020204" pitchFamily="34" charset="0"/>
+              <a:buChar char="•"/>
+              <a:defRPr sz="2800" kern="1200">
+                <a:solidFill>
+                  <a:schemeClr val="tx1"/>
+                </a:solidFill>
+                <a:latin typeface="+mn-lt"/>
+                <a:ea typeface="+mn-ea"/>
+                <a:cs typeface="+mn-cs"/>
+              </a:defRPr>
+            </a:lvl1pPr>
+            <a:lvl2pPr marL="685800" indent="-228600" algn="l" defTabSz="914400" rtl="0" eaLnBrk="1" latinLnBrk="0" hangingPunct="1">
+              <a:lnSpc>
+                <a:spcPct val="90000"/>
+              </a:lnSpc>
+              <a:spcBef>
+                <a:spcPts val="500"/>
+              </a:spcBef>
+              <a:buFont typeface="Arial" panose="020B0604020202020204" pitchFamily="34" charset="0"/>
+              <a:buChar char="•"/>
+              <a:defRPr sz="2400" kern="1200">
+                <a:solidFill>
+                  <a:schemeClr val="tx1"/>
+                </a:solidFill>
+                <a:latin typeface="+mn-lt"/>
+                <a:ea typeface="+mn-ea"/>
+                <a:cs typeface="+mn-cs"/>
+              </a:defRPr>
+            </a:lvl2pPr>
+            <a:lvl3pPr marL="1143000" indent="-228600" algn="l" defTabSz="914400" rtl="0" eaLnBrk="1" latinLnBrk="0" hangingPunct="1">
+              <a:lnSpc>
+                <a:spcPct val="90000"/>
+              </a:lnSpc>
+              <a:spcBef>
+                <a:spcPts val="500"/>
+              </a:spcBef>
+              <a:buFont typeface="Arial" panose="020B0604020202020204" pitchFamily="34" charset="0"/>
+              <a:buChar char="•"/>
+              <a:defRPr sz="2000" kern="1200">
+                <a:solidFill>
+                  <a:schemeClr val="tx1"/>
+                </a:solidFill>
+                <a:latin typeface="+mn-lt"/>
+                <a:ea typeface="+mn-ea"/>
+                <a:cs typeface="+mn-cs"/>
+              </a:defRPr>
+            </a:lvl3pPr>
+            <a:lvl4pPr marL="1600200" indent="-228600" algn="l" defTabSz="914400" rtl="0" eaLnBrk="1" latinLnBrk="0" hangingPunct="1">
+              <a:lnSpc>
+                <a:spcPct val="90000"/>
+              </a:lnSpc>
+              <a:spcBef>
+                <a:spcPts val="500"/>
+              </a:spcBef>
+              <a:buFont typeface="Arial" panose="020B0604020202020204" pitchFamily="34" charset="0"/>
+              <a:buChar char="•"/>
+              <a:defRPr sz="1800" kern="1200">
+                <a:solidFill>
+                  <a:schemeClr val="tx1"/>
+                </a:solidFill>
+                <a:latin typeface="+mn-lt"/>
+                <a:ea typeface="+mn-ea"/>
+                <a:cs typeface="+mn-cs"/>
+              </a:defRPr>
+            </a:lvl4pPr>
+            <a:lvl5pPr marL="2057400" indent="-228600" algn="l" defTabSz="914400" rtl="0" eaLnBrk="1" latinLnBrk="0" hangingPunct="1">
+              <a:lnSpc>
+                <a:spcPct val="90000"/>
+              </a:lnSpc>
+              <a:spcBef>
+                <a:spcPts val="500"/>
+              </a:spcBef>
+              <a:buFont typeface="Arial" panose="020B0604020202020204" pitchFamily="34" charset="0"/>
+              <a:buChar char="•"/>
+              <a:defRPr sz="1800" kern="1200">
+                <a:solidFill>
+                  <a:schemeClr val="tx1"/>
+                </a:solidFill>
+                <a:latin typeface="+mn-lt"/>
+                <a:ea typeface="+mn-ea"/>
+                <a:cs typeface="+mn-cs"/>
+              </a:defRPr>
+            </a:lvl5pPr>
+            <a:lvl6pPr marL="2514600" indent="-228600" algn="l" defTabSz="914400" rtl="0" eaLnBrk="1" latinLnBrk="0" hangingPunct="1">
+              <a:lnSpc>
+                <a:spcPct val="90000"/>
+              </a:lnSpc>
+              <a:spcBef>
+                <a:spcPts val="500"/>
+              </a:spcBef>
+              <a:buFont typeface="Arial" panose="020B0604020202020204" pitchFamily="34" charset="0"/>
+              <a:buChar char="•"/>
+              <a:defRPr sz="1800" kern="1200">
+                <a:solidFill>
+                  <a:schemeClr val="tx1"/>
+                </a:solidFill>
+                <a:latin typeface="+mn-lt"/>
+                <a:ea typeface="+mn-ea"/>
+                <a:cs typeface="+mn-cs"/>
+              </a:defRPr>
+            </a:lvl6pPr>
+            <a:lvl7pPr marL="2971800" indent="-228600" algn="l" defTabSz="914400" rtl="0" eaLnBrk="1" latinLnBrk="0" hangingPunct="1">
+              <a:lnSpc>
+                <a:spcPct val="90000"/>
+              </a:lnSpc>
+              <a:spcBef>
+                <a:spcPts val="500"/>
+              </a:spcBef>
+              <a:buFont typeface="Arial" panose="020B0604020202020204" pitchFamily="34" charset="0"/>
+              <a:buChar char="•"/>
+              <a:defRPr sz="1800" kern="1200">
+                <a:solidFill>
+                  <a:schemeClr val="tx1"/>
+                </a:solidFill>
+                <a:latin typeface="+mn-lt"/>
+                <a:ea typeface="+mn-ea"/>
+                <a:cs typeface="+mn-cs"/>
+              </a:defRPr>
+            </a:lvl7pPr>
+            <a:lvl8pPr marL="3429000" indent="-228600" algn="l" defTabSz="914400" rtl="0" eaLnBrk="1" latinLnBrk="0" hangingPunct="1">
+              <a:lnSpc>
+                <a:spcPct val="90000"/>
+              </a:lnSpc>
+              <a:spcBef>
+                <a:spcPts val="500"/>
+              </a:spcBef>
+              <a:buFont typeface="Arial" panose="020B0604020202020204" pitchFamily="34" charset="0"/>
+              <a:buChar char="•"/>
+              <a:defRPr sz="1800" kern="1200">
+                <a:solidFill>
+                  <a:schemeClr val="tx1"/>
+                </a:solidFill>
+                <a:latin typeface="+mn-lt"/>
+                <a:ea typeface="+mn-ea"/>
+                <a:cs typeface="+mn-cs"/>
+              </a:defRPr>
+            </a:lvl8pPr>
+            <a:lvl9pPr marL="3886200" indent="-228600" algn="l" defTabSz="914400" rtl="0" eaLnBrk="1" latinLnBrk="0" hangingPunct="1">
+              <a:lnSpc>
+                <a:spcPct val="90000"/>
+              </a:lnSpc>
+              <a:spcBef>
+                <a:spcPts val="500"/>
+              </a:spcBef>
+              <a:buFont typeface="Arial" panose="020B0604020202020204" pitchFamily="34" charset="0"/>
+              <a:buChar char="•"/>
+              <a:defRPr sz="1800" kern="1200">
+                <a:solidFill>
+                  <a:schemeClr val="tx1"/>
+                </a:solidFill>
+                <a:latin typeface="+mn-lt"/>
+                <a:ea typeface="+mn-ea"/>
+                <a:cs typeface="+mn-cs"/>
+              </a:defRPr>
+            </a:lvl9pPr>
+          </a:lstStyle>
+          <a:p>
+            <a:r>
+              <a:rPr lang="de-CH" smtClean="0"/>
+              <a:t>Login Controller</a:t>
+            </a:r>
+            <a:endParaRPr lang="de-CH" dirty="0" smtClean="0"/>
+          </a:p>
+        </p:txBody>
+      </p:sp>
+    </p:spTree>
+    <p:extLst>
+      <p:ext uri="{BB962C8B-B14F-4D97-AF65-F5344CB8AC3E}">
+        <p14:creationId xmlns:p14="http://schemas.microsoft.com/office/powerpoint/2010/main" val="2026823217"/>
+      </p:ext>
+    </p:extLst>
+  </p:cSld>
+  <p:clrMapOvr>
+    <a:masterClrMapping/>
+  </p:clrMapOvr>
+  <p:timing>
+    <p:tnLst>
+      <p:par>
+        <p:cTn id="1" dur="indefinite" restart="never" nodeType="tmRoot"/>
+      </p:par>
+    </p:tnLst>
+  </p:timing>
+</p:sld>
+</file>
+
+<file path=ppt/slides/slide6.xml><?xml version="1.0" encoding="utf-8"?>
+<p:sld xmlns:a="http://schemas.openxmlformats.org/drawingml/2006/main" xmlns:r="http://schemas.openxmlformats.org/officeDocument/2006/relationships" xmlns:p="http://schemas.openxmlformats.org/presentationml/2006/main">
+  <p:cSld>
+    <p:spTree>
+      <p:nvGrpSpPr>
+        <p:cNvPr id="1" name=""/>
+        <p:cNvGrpSpPr/>
+        <p:nvPr/>
+      </p:nvGrpSpPr>
+      <p:grpSpPr>
+        <a:xfrm>
+          <a:off x="0" y="0"/>
+          <a:ext cx="0" cy="0"/>
+          <a:chOff x="0" y="0"/>
+          <a:chExt cx="0" cy="0"/>
+        </a:xfrm>
+      </p:grpSpPr>
+      <p:sp>
+        <p:nvSpPr>
+          <p:cNvPr id="2" name="Titel 1"/>
+          <p:cNvSpPr>
+            <a:spLocks noGrp="1"/>
+          </p:cNvSpPr>
+          <p:nvPr>
+            <p:ph type="title"/>
+          </p:nvPr>
+        </p:nvSpPr>
+        <p:spPr/>
+        <p:txBody>
+          <a:bodyPr/>
+          <a:lstStyle/>
+          <a:p>
+            <a:r>
+              <a:rPr lang="de-CH" b="1" dirty="0" smtClean="0">
+                <a:solidFill>
+                  <a:srgbClr val="00B050"/>
+                </a:solidFill>
+              </a:rPr>
+              <a:t>Code Review (</a:t>
+            </a:r>
+            <a:r>
+              <a:rPr lang="de-CH" b="1" dirty="0" err="1" smtClean="0">
+                <a:solidFill>
+                  <a:srgbClr val="00B050"/>
+                </a:solidFill>
+              </a:rPr>
+              <a:t>Vladi</a:t>
+            </a:r>
+            <a:r>
+              <a:rPr lang="de-CH" b="1" dirty="0" smtClean="0">
+                <a:solidFill>
+                  <a:srgbClr val="00B050"/>
+                </a:solidFill>
+              </a:rPr>
+              <a:t> / Ramos)</a:t>
+            </a:r>
+            <a:endParaRPr lang="de-CH" dirty="0"/>
+          </a:p>
+        </p:txBody>
+      </p:sp>
+      <p:sp>
+        <p:nvSpPr>
+          <p:cNvPr id="3" name="Inhaltsplatzhalter 2"/>
+          <p:cNvSpPr>
+            <a:spLocks noGrp="1"/>
+          </p:cNvSpPr>
+          <p:nvPr>
+            <p:ph idx="1"/>
+          </p:nvPr>
+        </p:nvSpPr>
+        <p:spPr/>
+        <p:txBody>
+          <a:bodyPr>
+            <a:normAutofit/>
+          </a:bodyPr>
+          <a:lstStyle/>
+          <a:p>
+            <a:r>
+              <a:rPr lang="de-CH" dirty="0" smtClean="0"/>
+              <a:t>Case View </a:t>
+            </a:r>
+            <a:r>
+              <a:rPr lang="de-CH" dirty="0" err="1" smtClean="0"/>
+              <a:t>and</a:t>
+            </a:r>
+            <a:r>
+              <a:rPr lang="de-CH" dirty="0" smtClean="0"/>
+              <a:t> Controller</a:t>
+            </a:r>
+          </a:p>
+          <a:p>
+            <a:r>
+              <a:rPr lang="de-CH" dirty="0" smtClean="0"/>
+              <a:t>Treatment View </a:t>
+            </a:r>
+            <a:r>
+              <a:rPr lang="de-CH" dirty="0" err="1" smtClean="0"/>
+              <a:t>and</a:t>
+            </a:r>
+            <a:r>
+              <a:rPr lang="de-CH" dirty="0" smtClean="0"/>
+              <a:t> Controller</a:t>
+            </a:r>
+            <a:endParaRPr lang="de-CH" dirty="0" smtClean="0"/>
+          </a:p>
+          <a:p>
+            <a:r>
+              <a:rPr lang="de-CH" dirty="0" smtClean="0"/>
+              <a:t>Database</a:t>
+            </a:r>
+            <a:endParaRPr lang="de-CH" dirty="0" smtClean="0"/>
+          </a:p>
+        </p:txBody>
+      </p:sp>
+    </p:spTree>
+    <p:extLst>
+      <p:ext uri="{BB962C8B-B14F-4D97-AF65-F5344CB8AC3E}">
+        <p14:creationId xmlns:p14="http://schemas.microsoft.com/office/powerpoint/2010/main" val="3644250752"/>
+      </p:ext>
+    </p:extLst>
+  </p:cSld>
+  <p:clrMapOvr>
+    <a:masterClrMapping/>
+  </p:clrMapOvr>
+  <p:timing>
+    <p:tnLst>
+      <p:par>
+        <p:cTn id="1" dur="indefinite" restart="never" nodeType="tmRoot"/>
+      </p:par>
+    </p:tnLst>
+  </p:timing>
+</p:sld>
+</file>
+
+<file path=ppt/slides/slide7.xml><?xml version="1.0" encoding="utf-8"?>
+<p:sld xmlns:a="http://schemas.openxmlformats.org/drawingml/2006/main" xmlns:r="http://schemas.openxmlformats.org/officeDocument/2006/relationships" xmlns:p="http://schemas.openxmlformats.org/presentationml/2006/main">
+  <p:cSld>
+    <p:spTree>
+      <p:nvGrpSpPr>
+        <p:cNvPr id="1" name=""/>
+        <p:cNvGrpSpPr/>
+        <p:nvPr/>
+      </p:nvGrpSpPr>
+      <p:grpSpPr>
+        <a:xfrm>
+          <a:off x="0" y="0"/>
+          <a:ext cx="0" cy="0"/>
+          <a:chOff x="0" y="0"/>
+          <a:chExt cx="0" cy="0"/>
+        </a:xfrm>
+      </p:grpSpPr>
+      <p:sp>
+        <p:nvSpPr>
+          <p:cNvPr id="2" name="Titel 1"/>
+          <p:cNvSpPr>
+            <a:spLocks noGrp="1"/>
+          </p:cNvSpPr>
+          <p:nvPr>
+            <p:ph type="title"/>
+          </p:nvPr>
+        </p:nvSpPr>
+        <p:spPr/>
+        <p:txBody>
+          <a:bodyPr/>
+          <a:lstStyle/>
+          <a:p>
+            <a:r>
+              <a:rPr lang="de-CH" b="1" dirty="0" smtClean="0">
+                <a:solidFill>
+                  <a:srgbClr val="00B050"/>
+                </a:solidFill>
+              </a:rPr>
+              <a:t>Personal </a:t>
+            </a:r>
+            <a:r>
+              <a:rPr lang="de-CH" b="1" dirty="0" err="1" smtClean="0">
+                <a:solidFill>
+                  <a:srgbClr val="00B050"/>
+                </a:solidFill>
+              </a:rPr>
+              <a:t>Contribution</a:t>
+            </a:r>
+            <a:r>
+              <a:rPr lang="de-CH" b="1" dirty="0" smtClean="0">
+                <a:solidFill>
+                  <a:srgbClr val="00B050"/>
+                </a:solidFill>
+              </a:rPr>
+              <a:t> </a:t>
+            </a:r>
+            <a:r>
+              <a:rPr lang="de-CH" b="1" dirty="0" err="1" smtClean="0">
+                <a:solidFill>
+                  <a:srgbClr val="00B050"/>
+                </a:solidFill>
+              </a:rPr>
+              <a:t>of</a:t>
+            </a:r>
+            <a:r>
+              <a:rPr lang="de-CH" b="1" dirty="0" smtClean="0">
+                <a:solidFill>
+                  <a:srgbClr val="00B050"/>
+                </a:solidFill>
+              </a:rPr>
+              <a:t> </a:t>
+            </a:r>
+            <a:r>
+              <a:rPr lang="de-CH" b="1" dirty="0" err="1" smtClean="0">
+                <a:solidFill>
+                  <a:srgbClr val="00B050"/>
+                </a:solidFill>
+              </a:rPr>
+              <a:t>each</a:t>
+            </a:r>
+            <a:r>
+              <a:rPr lang="de-CH" b="1" dirty="0" smtClean="0">
+                <a:solidFill>
+                  <a:srgbClr val="00B050"/>
+                </a:solidFill>
+              </a:rPr>
+              <a:t> Team </a:t>
+            </a:r>
+            <a:r>
+              <a:rPr lang="de-CH" b="1" dirty="0" err="1" smtClean="0">
+                <a:solidFill>
+                  <a:srgbClr val="00B050"/>
+                </a:solidFill>
+              </a:rPr>
+              <a:t>member</a:t>
+            </a:r>
+            <a:endParaRPr lang="de-CH" dirty="0"/>
+          </a:p>
+        </p:txBody>
+      </p:sp>
+      <p:sp>
+        <p:nvSpPr>
+          <p:cNvPr id="3" name="Inhaltsplatzhalter 2"/>
+          <p:cNvSpPr>
+            <a:spLocks noGrp="1"/>
+          </p:cNvSpPr>
+          <p:nvPr>
+            <p:ph idx="1"/>
+          </p:nvPr>
+        </p:nvSpPr>
+        <p:spPr/>
+        <p:txBody>
+          <a:bodyPr>
+            <a:normAutofit/>
+          </a:bodyPr>
+          <a:lstStyle/>
+          <a:p>
+            <a:r>
+              <a:rPr lang="de-CH" dirty="0" err="1" smtClean="0"/>
+              <a:t>Mele</a:t>
+            </a:r>
+            <a:endParaRPr lang="de-CH" dirty="0" smtClean="0"/>
+          </a:p>
+          <a:p>
+            <a:r>
+              <a:rPr lang="de-CH" dirty="0" smtClean="0"/>
+              <a:t>Pfister</a:t>
+            </a:r>
+            <a:endParaRPr lang="de-CH" dirty="0" smtClean="0"/>
+          </a:p>
+          <a:p>
+            <a:r>
+              <a:rPr lang="de-CH" dirty="0" err="1" smtClean="0"/>
+              <a:t>Portmann</a:t>
+            </a:r>
+            <a:endParaRPr lang="de-CH" dirty="0" smtClean="0"/>
+          </a:p>
+          <a:p>
+            <a:r>
+              <a:rPr lang="de-CH" dirty="0" err="1" smtClean="0"/>
+              <a:t>Vladi</a:t>
+            </a:r>
+            <a:endParaRPr lang="de-CH" dirty="0" smtClean="0"/>
+          </a:p>
+          <a:p>
+            <a:r>
+              <a:rPr lang="de-CH" dirty="0" smtClean="0"/>
+              <a:t>Ramos</a:t>
+            </a:r>
+            <a:endParaRPr lang="de-CH" dirty="0"/>
+          </a:p>
+          <a:p>
+            <a:endParaRPr lang="de-CH" dirty="0" smtClean="0"/>
+          </a:p>
+        </p:txBody>
+      </p:sp>
+    </p:spTree>
+    <p:extLst>
+      <p:ext uri="{BB962C8B-B14F-4D97-AF65-F5344CB8AC3E}">
+        <p14:creationId xmlns:p14="http://schemas.microsoft.com/office/powerpoint/2010/main" val="3102671121"/>
+      </p:ext>
+    </p:extLst>
+  </p:cSld>
+  <p:clrMapOvr>
+    <a:masterClrMapping/>
+  </p:clrMapOvr>
+  <p:timing>
+    <p:tnLst>
+      <p:par>
+        <p:cTn id="1" dur="indefinite" restart="never" nodeType="tmRoot"/>
+      </p:par>
+    </p:tnLst>
+  </p:timing>
+</p:sld>
+</file>
+
+<file path=ppt/slides/slide8.xml><?xml version="1.0" encoding="utf-8"?>
+<p:sld xmlns:a="http://schemas.openxmlformats.org/drawingml/2006/main" xmlns:r="http://schemas.openxmlformats.org/officeDocument/2006/relationships" xmlns:p="http://schemas.openxmlformats.org/presentationml/2006/main">
+  <p:cSld>
+    <p:spTree>
+      <p:nvGrpSpPr>
+        <p:cNvPr id="1" name=""/>
+        <p:cNvGrpSpPr/>
+        <p:nvPr/>
+      </p:nvGrpSpPr>
+      <p:grpSpPr>
+        <a:xfrm>
+          <a:off x="0" y="0"/>
+          <a:ext cx="0" cy="0"/>
+          <a:chOff x="0" y="0"/>
+          <a:chExt cx="0" cy="0"/>
+        </a:xfrm>
+      </p:grpSpPr>
+      <p:sp>
+        <p:nvSpPr>
+          <p:cNvPr id="2" name="Titel 1"/>
+          <p:cNvSpPr>
+            <a:spLocks noGrp="1"/>
+          </p:cNvSpPr>
+          <p:nvPr>
+            <p:ph type="title"/>
+          </p:nvPr>
+        </p:nvSpPr>
+        <p:spPr/>
+        <p:txBody>
+          <a:bodyPr/>
+          <a:lstStyle/>
+          <a:p>
+            <a:r>
+              <a:rPr lang="de-CH" b="1" dirty="0" smtClean="0">
+                <a:solidFill>
+                  <a:srgbClr val="00B050"/>
+                </a:solidFill>
+              </a:rPr>
+              <a:t>Learning </a:t>
+            </a:r>
+            <a:r>
+              <a:rPr lang="de-CH" b="1" dirty="0" err="1" smtClean="0">
+                <a:solidFill>
+                  <a:srgbClr val="00B050"/>
+                </a:solidFill>
+              </a:rPr>
+              <a:t>Process</a:t>
+            </a:r>
+            <a:endParaRPr lang="de-CH" dirty="0"/>
+          </a:p>
+        </p:txBody>
+      </p:sp>
+      <p:sp>
+        <p:nvSpPr>
+          <p:cNvPr id="3" name="Inhaltsplatzhalter 2"/>
+          <p:cNvSpPr>
+            <a:spLocks noGrp="1"/>
+          </p:cNvSpPr>
+          <p:nvPr>
+            <p:ph idx="1"/>
+          </p:nvPr>
+        </p:nvSpPr>
+        <p:spPr/>
+        <p:txBody>
+          <a:bodyPr>
+            <a:normAutofit/>
+          </a:bodyPr>
+          <a:lstStyle/>
+          <a:p>
+            <a:r>
+              <a:rPr lang="de-CH" dirty="0" err="1" smtClean="0"/>
+              <a:t>Scrum</a:t>
+            </a:r>
+            <a:r>
+              <a:rPr lang="de-CH" dirty="0" smtClean="0"/>
+              <a:t> </a:t>
+            </a:r>
+            <a:r>
+              <a:rPr lang="de-CH" dirty="0" err="1" smtClean="0"/>
+              <a:t>Retrospective</a:t>
+            </a:r>
+            <a:endParaRPr lang="de-CH" dirty="0" smtClean="0"/>
+          </a:p>
+          <a:p>
+            <a:pPr lvl="1"/>
+            <a:r>
+              <a:rPr lang="de-CH" dirty="0" err="1" smtClean="0"/>
+              <a:t>Product</a:t>
+            </a:r>
+            <a:r>
+              <a:rPr lang="de-CH" dirty="0" smtClean="0"/>
+              <a:t> </a:t>
+            </a:r>
+            <a:r>
+              <a:rPr lang="de-CH" dirty="0" err="1" smtClean="0"/>
+              <a:t>Backlog</a:t>
+            </a:r>
+            <a:endParaRPr lang="de-CH" dirty="0" smtClean="0"/>
+          </a:p>
+          <a:p>
+            <a:pPr marL="0" indent="0">
               <a:buNone/>
             </a:pPr>
-            <a:endParaRPr lang="de-CH" dirty="0"/>
-          </a:p>
-          <a:p>
-            <a:pPr marL="457200" lvl="1" indent="0">
-              <a:buNone/>
-            </a:pPr>
-            <a:endParaRPr lang="de-CH" dirty="0"/>
-          </a:p>
-          <a:p>
-            <a:pPr marL="0" indent="0">
-              <a:buNone/>
-            </a:pPr>
-            <a:endParaRPr lang="de-CH" dirty="0"/>
+            <a:endParaRPr lang="de-CH" dirty="0" smtClean="0"/>
           </a:p>
         </p:txBody>
       </p:sp>
       <p:pic>
         <p:nvPicPr>
-          <p:cNvPr id="7" name="Grafik 6"/>
+          <p:cNvPr id="4" name="Grafik 3"/>
           <p:cNvPicPr>
             <a:picLocks noChangeAspect="1"/>
           </p:cNvPicPr>
           <p:nvPr/>
         </p:nvPicPr>
         <p:blipFill>
-          <a:blip r:embed="rId2">
-            <a:extLst>
-              <a:ext uri="{28A0092B-C50C-407E-A947-70E740481C1C}">
-                <a14:useLocalDpi xmlns:a14="http://schemas.microsoft.com/office/drawing/2010/main" val="0"/>
-              </a:ext>
-            </a:extLst>
-          </a:blip>
+          <a:blip r:embed="rId2"/>
           <a:stretch>
             <a:fillRect/>
           </a:stretch>
         </p:blipFill>
         <p:spPr>
           <a:xfrm>
-            <a:off x="4126756" y="2238055"/>
-            <a:ext cx="3938488" cy="4318000"/>
+            <a:off x="2091682" y="2939918"/>
+            <a:ext cx="7240010" cy="2886478"/>
           </a:xfrm>
           <a:prstGeom prst="rect">
             <a:avLst/>
@@ -4111,7 +5010,154 @@
     </p:spTree>
     <p:extLst>
       <p:ext uri="{BB962C8B-B14F-4D97-AF65-F5344CB8AC3E}">
-        <p14:creationId xmlns:p14="http://schemas.microsoft.com/office/powerpoint/2010/main" val="3841519463"/>
+        <p14:creationId xmlns:p14="http://schemas.microsoft.com/office/powerpoint/2010/main" val="3097192507"/>
+      </p:ext>
+    </p:extLst>
+  </p:cSld>
+  <p:clrMapOvr>
+    <a:masterClrMapping/>
+  </p:clrMapOvr>
+  <p:timing>
+    <p:tnLst>
+      <p:par>
+        <p:cTn id="1" dur="indefinite" restart="never" nodeType="tmRoot"/>
+      </p:par>
+    </p:tnLst>
+  </p:timing>
+</p:sld>
+</file>
+
+<file path=ppt/slides/slide9.xml><?xml version="1.0" encoding="utf-8"?>
+<p:sld xmlns:a="http://schemas.openxmlformats.org/drawingml/2006/main" xmlns:r="http://schemas.openxmlformats.org/officeDocument/2006/relationships" xmlns:p="http://schemas.openxmlformats.org/presentationml/2006/main">
+  <p:cSld>
+    <p:spTree>
+      <p:nvGrpSpPr>
+        <p:cNvPr id="1" name=""/>
+        <p:cNvGrpSpPr/>
+        <p:nvPr/>
+      </p:nvGrpSpPr>
+      <p:grpSpPr>
+        <a:xfrm>
+          <a:off x="0" y="0"/>
+          <a:ext cx="0" cy="0"/>
+          <a:chOff x="0" y="0"/>
+          <a:chExt cx="0" cy="0"/>
+        </a:xfrm>
+      </p:grpSpPr>
+      <p:sp>
+        <p:nvSpPr>
+          <p:cNvPr id="2" name="Titel 1"/>
+          <p:cNvSpPr>
+            <a:spLocks noGrp="1"/>
+          </p:cNvSpPr>
+          <p:nvPr>
+            <p:ph type="title"/>
+          </p:nvPr>
+        </p:nvSpPr>
+        <p:spPr/>
+        <p:txBody>
+          <a:bodyPr/>
+          <a:lstStyle/>
+          <a:p>
+            <a:r>
+              <a:rPr lang="de-CH" b="1" dirty="0" smtClean="0">
+                <a:solidFill>
+                  <a:srgbClr val="00B050"/>
+                </a:solidFill>
+              </a:rPr>
+              <a:t>Learning </a:t>
+            </a:r>
+            <a:r>
+              <a:rPr lang="de-CH" b="1" dirty="0" err="1" smtClean="0">
+                <a:solidFill>
+                  <a:srgbClr val="00B050"/>
+                </a:solidFill>
+              </a:rPr>
+              <a:t>Process</a:t>
+            </a:r>
+            <a:endParaRPr lang="de-CH" dirty="0"/>
+          </a:p>
+        </p:txBody>
+      </p:sp>
+      <p:sp>
+        <p:nvSpPr>
+          <p:cNvPr id="3" name="Inhaltsplatzhalter 2"/>
+          <p:cNvSpPr>
+            <a:spLocks noGrp="1"/>
+          </p:cNvSpPr>
+          <p:nvPr>
+            <p:ph idx="1"/>
+          </p:nvPr>
+        </p:nvSpPr>
+        <p:spPr/>
+        <p:txBody>
+          <a:bodyPr>
+            <a:normAutofit/>
+          </a:bodyPr>
+          <a:lstStyle/>
+          <a:p>
+            <a:r>
+              <a:rPr lang="de-CH" dirty="0" err="1" smtClean="0"/>
+              <a:t>Scrum</a:t>
+            </a:r>
+            <a:r>
+              <a:rPr lang="de-CH" dirty="0" smtClean="0"/>
+              <a:t> </a:t>
+            </a:r>
+            <a:r>
+              <a:rPr lang="de-CH" dirty="0" err="1" smtClean="0"/>
+              <a:t>Retrospective</a:t>
+            </a:r>
+            <a:endParaRPr lang="de-CH" dirty="0" smtClean="0"/>
+          </a:p>
+          <a:p>
+            <a:pPr lvl="1"/>
+            <a:r>
+              <a:rPr lang="de-CH" dirty="0" smtClean="0"/>
+              <a:t>Sprint </a:t>
+            </a:r>
+            <a:r>
+              <a:rPr lang="de-CH" dirty="0" err="1" smtClean="0"/>
+              <a:t>Backlog</a:t>
+            </a:r>
+            <a:endParaRPr lang="de-CH" dirty="0" smtClean="0"/>
+          </a:p>
+          <a:p>
+            <a:pPr marL="0" indent="0">
+              <a:buNone/>
+            </a:pPr>
+            <a:endParaRPr lang="de-CH" dirty="0" smtClean="0"/>
+          </a:p>
+        </p:txBody>
+      </p:sp>
+      <p:pic>
+        <p:nvPicPr>
+          <p:cNvPr id="5" name="Grafik 4"/>
+          <p:cNvPicPr>
+            <a:picLocks noChangeAspect="1"/>
+          </p:cNvPicPr>
+          <p:nvPr/>
+        </p:nvPicPr>
+        <p:blipFill>
+          <a:blip r:embed="rId2"/>
+          <a:stretch>
+            <a:fillRect/>
+          </a:stretch>
+        </p:blipFill>
+        <p:spPr>
+          <a:xfrm>
+            <a:off x="5221357" y="865295"/>
+            <a:ext cx="5632173" cy="5879741"/>
+          </a:xfrm>
+          <a:prstGeom prst="rect">
+            <a:avLst/>
+          </a:prstGeom>
+        </p:spPr>
+      </p:pic>
+    </p:spTree>
+    <p:extLst>
+      <p:ext uri="{BB962C8B-B14F-4D97-AF65-F5344CB8AC3E}">
+        <p14:creationId xmlns:p14="http://schemas.microsoft.com/office/powerpoint/2010/main" val="254550995"/>
       </p:ext>
     </p:extLst>
   </p:cSld>

--- a/doc/task14/Task14.pptx
+++ b/doc/task14/Task14.pptx
@@ -3393,19 +3393,7 @@
           <a:p>
             <a:r>
               <a:rPr lang="de-CH" sz="3200" dirty="0" smtClean="0"/>
-              <a:t>Task </a:t>
-            </a:r>
-            <a:r>
-              <a:rPr lang="de-CH" sz="3200" dirty="0" smtClean="0"/>
-              <a:t>14 </a:t>
-            </a:r>
-            <a:r>
-              <a:rPr lang="de-CH" sz="3200" dirty="0" smtClean="0"/>
-              <a:t>– </a:t>
-            </a:r>
-            <a:r>
-              <a:rPr lang="de-CH" sz="3200" dirty="0" smtClean="0"/>
-              <a:t>Final </a:t>
+              <a:t>Task 14 – Final </a:t>
             </a:r>
             <a:r>
               <a:rPr lang="de-CH" sz="3200" dirty="0" err="1" smtClean="0"/>
@@ -3815,7 +3803,6 @@
               <a:rPr lang="de-CH" dirty="0" smtClean="0"/>
               <a:t> Prototype</a:t>
             </a:r>
-            <a:endParaRPr lang="de-CH" dirty="0" smtClean="0"/>
           </a:p>
           <a:p>
             <a:pPr marL="514350" indent="-514350">
@@ -3905,7 +3892,6 @@
               <a:rPr lang="de-CH" dirty="0" smtClean="0"/>
               <a:t> Course</a:t>
             </a:r>
-            <a:endParaRPr lang="de-CH" dirty="0" smtClean="0"/>
           </a:p>
           <a:p>
             <a:pPr marL="514350" indent="-514350">
@@ -4151,8 +4137,29 @@
           <a:lstStyle/>
           <a:p>
             <a:r>
+              <a:rPr lang="de-CH" dirty="0" err="1" smtClean="0"/>
+              <a:t>MyUI</a:t>
+            </a:r>
+            <a:endParaRPr lang="de-CH" dirty="0" smtClean="0"/>
+          </a:p>
+          <a:p>
+            <a:r>
+              <a:rPr lang="de-CH" dirty="0" err="1" smtClean="0"/>
+              <a:t>Generic</a:t>
+            </a:r>
+            <a:r>
               <a:rPr lang="de-CH" dirty="0" smtClean="0"/>
-              <a:t>Login View</a:t>
+              <a:t> View</a:t>
+            </a:r>
+          </a:p>
+          <a:p>
+            <a:r>
+              <a:rPr lang="de-CH" dirty="0" smtClean="0"/>
+              <a:t>Login </a:t>
+            </a:r>
+            <a:r>
+              <a:rPr lang="de-CH" dirty="0" smtClean="0"/>
+              <a:t>View</a:t>
             </a:r>
           </a:p>
           <a:p>
@@ -4166,7 +4173,6 @@
               <a:rPr lang="de-CH" dirty="0" smtClean="0"/>
               <a:t>(State Pattern)</a:t>
             </a:r>
-            <a:endParaRPr lang="de-CH" dirty="0" smtClean="0"/>
           </a:p>
         </p:txBody>
       </p:sp>
@@ -4295,7 +4301,6 @@
               <a:rPr lang="de-CH" dirty="0" smtClean="0"/>
               <a:t> Controller</a:t>
             </a:r>
-            <a:endParaRPr lang="de-CH" dirty="0" smtClean="0"/>
           </a:p>
         </p:txBody>
       </p:sp>
@@ -4669,14 +4674,12 @@
               <a:rPr lang="de-CH" dirty="0" smtClean="0"/>
               <a:t> Controller</a:t>
             </a:r>
-            <a:endParaRPr lang="de-CH" dirty="0" smtClean="0"/>
           </a:p>
           <a:p>
             <a:r>
               <a:rPr lang="de-CH" dirty="0" smtClean="0"/>
               <a:t>Database</a:t>
             </a:r>
-            <a:endParaRPr lang="de-CH" dirty="0" smtClean="0"/>
           </a:p>
         </p:txBody>
       </p:sp>
@@ -4828,7 +4831,6 @@
               <a:rPr lang="de-CH" dirty="0" smtClean="0"/>
               <a:t>Pfister</a:t>
             </a:r>
-            <a:endParaRPr lang="de-CH" dirty="0" smtClean="0"/>
           </a:p>
           <a:p>
             <a:r>

--- a/doc/task14/Task14.pptx
+++ b/doc/task14/Task14.pptx
@@ -15,9 +15,9 @@
     <p:sldId id="275" r:id="rId6"/>
     <p:sldId id="276" r:id="rId7"/>
     <p:sldId id="277" r:id="rId8"/>
-    <p:sldId id="279" r:id="rId9"/>
-    <p:sldId id="280" r:id="rId10"/>
-    <p:sldId id="278" r:id="rId11"/>
+    <p:sldId id="278" r:id="rId9"/>
+    <p:sldId id="279" r:id="rId10"/>
+    <p:sldId id="280" r:id="rId11"/>
     <p:sldId id="269" r:id="rId12"/>
   </p:sldIdLst>
   <p:sldSz cx="12192000" cy="6858000"/>
@@ -219,7 +219,7 @@
             <a:fld id="{5C5501F6-625D-4440-BFE5-621C0F40DF81}" type="datetimeFigureOut">
               <a:rPr lang="de-DE" smtClean="0"/>
               <a:pPr/>
-              <a:t>20.01.2016</a:t>
+              <a:t>21.01.2016</a:t>
             </a:fld>
             <a:endParaRPr lang="de-CH"/>
           </a:p>
@@ -622,7 +622,7 @@
             <a:fld id="{B815E98A-0D5B-4172-A8C9-1641F3C9D774}" type="datetimeFigureOut">
               <a:rPr lang="de-CH" smtClean="0"/>
               <a:pPr/>
-              <a:t>20.01.2016</a:t>
+              <a:t>21.01.2016</a:t>
             </a:fld>
             <a:endParaRPr lang="de-CH"/>
           </a:p>
@@ -794,7 +794,7 @@
             <a:fld id="{B815E98A-0D5B-4172-A8C9-1641F3C9D774}" type="datetimeFigureOut">
               <a:rPr lang="de-CH" smtClean="0"/>
               <a:pPr/>
-              <a:t>20.01.2016</a:t>
+              <a:t>21.01.2016</a:t>
             </a:fld>
             <a:endParaRPr lang="de-CH"/>
           </a:p>
@@ -976,7 +976,7 @@
             <a:fld id="{B815E98A-0D5B-4172-A8C9-1641F3C9D774}" type="datetimeFigureOut">
               <a:rPr lang="de-CH" smtClean="0"/>
               <a:pPr/>
-              <a:t>20.01.2016</a:t>
+              <a:t>21.01.2016</a:t>
             </a:fld>
             <a:endParaRPr lang="de-CH"/>
           </a:p>
@@ -1148,7 +1148,7 @@
             <a:fld id="{B815E98A-0D5B-4172-A8C9-1641F3C9D774}" type="datetimeFigureOut">
               <a:rPr lang="de-CH" smtClean="0"/>
               <a:pPr/>
-              <a:t>20.01.2016</a:t>
+              <a:t>21.01.2016</a:t>
             </a:fld>
             <a:endParaRPr lang="de-CH"/>
           </a:p>
@@ -1396,7 +1396,7 @@
             <a:fld id="{B815E98A-0D5B-4172-A8C9-1641F3C9D774}" type="datetimeFigureOut">
               <a:rPr lang="de-CH" smtClean="0"/>
               <a:pPr/>
-              <a:t>20.01.2016</a:t>
+              <a:t>21.01.2016</a:t>
             </a:fld>
             <a:endParaRPr lang="de-CH"/>
           </a:p>
@@ -1630,7 +1630,7 @@
             <a:fld id="{B815E98A-0D5B-4172-A8C9-1641F3C9D774}" type="datetimeFigureOut">
               <a:rPr lang="de-CH" smtClean="0"/>
               <a:pPr/>
-              <a:t>20.01.2016</a:t>
+              <a:t>21.01.2016</a:t>
             </a:fld>
             <a:endParaRPr lang="de-CH"/>
           </a:p>
@@ -1999,7 +1999,7 @@
             <a:fld id="{B815E98A-0D5B-4172-A8C9-1641F3C9D774}" type="datetimeFigureOut">
               <a:rPr lang="de-CH" smtClean="0"/>
               <a:pPr/>
-              <a:t>20.01.2016</a:t>
+              <a:t>21.01.2016</a:t>
             </a:fld>
             <a:endParaRPr lang="de-CH"/>
           </a:p>
@@ -2119,7 +2119,7 @@
             <a:fld id="{B815E98A-0D5B-4172-A8C9-1641F3C9D774}" type="datetimeFigureOut">
               <a:rPr lang="de-CH" smtClean="0"/>
               <a:pPr/>
-              <a:t>20.01.2016</a:t>
+              <a:t>21.01.2016</a:t>
             </a:fld>
             <a:endParaRPr lang="de-CH"/>
           </a:p>
@@ -2216,7 +2216,7 @@
             <a:fld id="{B815E98A-0D5B-4172-A8C9-1641F3C9D774}" type="datetimeFigureOut">
               <a:rPr lang="de-CH" smtClean="0"/>
               <a:pPr/>
-              <a:t>20.01.2016</a:t>
+              <a:t>21.01.2016</a:t>
             </a:fld>
             <a:endParaRPr lang="de-CH"/>
           </a:p>
@@ -2495,7 +2495,7 @@
             <a:fld id="{B815E98A-0D5B-4172-A8C9-1641F3C9D774}" type="datetimeFigureOut">
               <a:rPr lang="de-CH" smtClean="0"/>
               <a:pPr/>
-              <a:t>20.01.2016</a:t>
+              <a:t>21.01.2016</a:t>
             </a:fld>
             <a:endParaRPr lang="de-CH"/>
           </a:p>
@@ -2750,7 +2750,7 @@
             <a:fld id="{B815E98A-0D5B-4172-A8C9-1641F3C9D774}" type="datetimeFigureOut">
               <a:rPr lang="de-CH" smtClean="0"/>
               <a:pPr/>
-              <a:t>20.01.2016</a:t>
+              <a:t>21.01.2016</a:t>
             </a:fld>
             <a:endParaRPr lang="de-CH"/>
           </a:p>
@@ -2965,7 +2965,7 @@
             <a:fld id="{B815E98A-0D5B-4172-A8C9-1641F3C9D774}" type="datetimeFigureOut">
               <a:rPr lang="de-CH" smtClean="0"/>
               <a:pPr/>
-              <a:t>20.01.2016</a:t>
+              <a:t>21.01.2016</a:t>
             </a:fld>
             <a:endParaRPr lang="de-CH"/>
           </a:p>
@@ -3534,39 +3534,67 @@
           <a:lstStyle/>
           <a:p>
             <a:r>
+              <a:rPr lang="de-CH" dirty="0" err="1" smtClean="0"/>
+              <a:t>Scrum</a:t>
+            </a:r>
+            <a:r>
               <a:rPr lang="de-CH" dirty="0" smtClean="0"/>
-              <a:t>Storyboards</a:t>
-            </a:r>
-          </a:p>
-          <a:p>
+              <a:t> </a:t>
+            </a:r>
             <a:r>
               <a:rPr lang="de-CH" dirty="0" err="1" smtClean="0"/>
-              <a:t>Requirements</a:t>
+              <a:t>Retrospective</a:t>
             </a:r>
             <a:endParaRPr lang="de-CH" dirty="0" smtClean="0"/>
           </a:p>
           <a:p>
+            <a:pPr lvl="1"/>
             <a:r>
               <a:rPr lang="de-CH" dirty="0" smtClean="0"/>
-              <a:t>Design</a:t>
-            </a:r>
-          </a:p>
-          <a:p>
-            <a:r>
-              <a:rPr lang="de-CH" dirty="0" smtClean="0"/>
-              <a:t>Implementation</a:t>
-            </a:r>
-            <a:endParaRPr lang="de-CH" dirty="0"/>
-          </a:p>
-          <a:p>
+              <a:t>Sprint </a:t>
+            </a:r>
+            <a:r>
+              <a:rPr lang="de-CH" dirty="0" err="1" smtClean="0"/>
+              <a:t>Backlog</a:t>
+            </a:r>
             <a:endParaRPr lang="de-CH" dirty="0" smtClean="0"/>
           </a:p>
-        </p:txBody>
-      </p:sp>
+          <a:p>
+            <a:pPr marL="0" indent="0">
+              <a:buNone/>
+            </a:pPr>
+            <a:endParaRPr lang="de-CH" dirty="0" smtClean="0"/>
+          </a:p>
+        </p:txBody>
+      </p:sp>
+      <p:pic>
+        <p:nvPicPr>
+          <p:cNvPr id="5" name="Grafik 4"/>
+          <p:cNvPicPr>
+            <a:picLocks noChangeAspect="1"/>
+          </p:cNvPicPr>
+          <p:nvPr/>
+        </p:nvPicPr>
+        <p:blipFill>
+          <a:blip r:embed="rId2"/>
+          <a:stretch>
+            <a:fillRect/>
+          </a:stretch>
+        </p:blipFill>
+        <p:spPr>
+          <a:xfrm>
+            <a:off x="5221357" y="865295"/>
+            <a:ext cx="5632173" cy="5879741"/>
+          </a:xfrm>
+          <a:prstGeom prst="rect">
+            <a:avLst/>
+          </a:prstGeom>
+        </p:spPr>
+      </p:pic>
     </p:spTree>
     <p:extLst>
       <p:ext uri="{BB962C8B-B14F-4D97-AF65-F5344CB8AC3E}">
-        <p14:creationId xmlns:p14="http://schemas.microsoft.com/office/powerpoint/2010/main" val="465705622"/>
+        <p14:creationId xmlns:p14="http://schemas.microsoft.com/office/powerpoint/2010/main" val="254550995"/>
       </p:ext>
     </p:extLst>
   </p:cSld>
@@ -3874,7 +3902,15 @@
             </a:r>
             <a:r>
               <a:rPr lang="de-CH" dirty="0" smtClean="0"/>
-              <a:t> Team </a:t>
+              <a:t> </a:t>
+            </a:r>
+            <a:r>
+              <a:rPr lang="de-CH" dirty="0" err="1" smtClean="0"/>
+              <a:t>team</a:t>
+            </a:r>
+            <a:r>
+              <a:rPr lang="de-CH" dirty="0" smtClean="0"/>
+              <a:t> </a:t>
             </a:r>
             <a:r>
               <a:rPr lang="de-CH" dirty="0" err="1" smtClean="0"/>
@@ -4155,11 +4191,7 @@
           <a:p>
             <a:r>
               <a:rPr lang="de-CH" dirty="0" smtClean="0"/>
-              <a:t>Login </a:t>
-            </a:r>
-            <a:r>
-              <a:rPr lang="de-CH" dirty="0" smtClean="0"/>
-              <a:t>View</a:t>
+              <a:t>Login View</a:t>
             </a:r>
           </a:p>
           <a:p>
@@ -4299,8 +4331,19 @@
             </a:r>
             <a:r>
               <a:rPr lang="de-CH" dirty="0" smtClean="0"/>
-              <a:t> Controller</a:t>
-            </a:r>
+              <a:t> </a:t>
+            </a:r>
+            <a:r>
+              <a:rPr lang="de-CH" dirty="0" smtClean="0"/>
+              <a:t>Controller</a:t>
+            </a:r>
+          </a:p>
+          <a:p>
+            <a:r>
+              <a:rPr lang="de-CH" dirty="0" smtClean="0"/>
+              <a:t>(State Pattern)</a:t>
+            </a:r>
+            <a:endParaRPr lang="de-CH" dirty="0" smtClean="0"/>
           </a:p>
         </p:txBody>
       </p:sp>
@@ -4799,6 +4842,125 @@
               </a:rPr>
               <a:t>member</a:t>
             </a:r>
+            <a:r>
+              <a:rPr lang="de-CH" b="1" dirty="0" smtClean="0">
+                <a:solidFill>
+                  <a:srgbClr val="00B050"/>
+                </a:solidFill>
+              </a:rPr>
+              <a:t/>
+            </a:r>
+            <a:br>
+              <a:rPr lang="de-CH" b="1" dirty="0" smtClean="0">
+                <a:solidFill>
+                  <a:srgbClr val="00B050"/>
+                </a:solidFill>
+              </a:rPr>
+            </a:br>
+            <a:r>
+              <a:rPr lang="de-CH" b="1" dirty="0" smtClean="0">
+                <a:solidFill>
+                  <a:srgbClr val="00B050"/>
+                </a:solidFill>
+              </a:rPr>
+              <a:t>«</a:t>
+            </a:r>
+            <a:r>
+              <a:rPr lang="de-CH" b="1" dirty="0" err="1" smtClean="0">
+                <a:solidFill>
+                  <a:srgbClr val="00B050"/>
+                </a:solidFill>
+              </a:rPr>
+              <a:t>Me</a:t>
+            </a:r>
+            <a:r>
+              <a:rPr lang="de-CH" b="1" dirty="0" smtClean="0">
+                <a:solidFill>
+                  <a:srgbClr val="00B050"/>
+                </a:solidFill>
+              </a:rPr>
+              <a:t>, </a:t>
+            </a:r>
+            <a:r>
+              <a:rPr lang="de-CH" b="1" dirty="0" err="1" smtClean="0">
+                <a:solidFill>
+                  <a:srgbClr val="00B050"/>
+                </a:solidFill>
+              </a:rPr>
+              <a:t>my</a:t>
+            </a:r>
+            <a:r>
+              <a:rPr lang="de-CH" b="1" dirty="0" smtClean="0">
+                <a:solidFill>
+                  <a:srgbClr val="00B050"/>
+                </a:solidFill>
+              </a:rPr>
+              <a:t> </a:t>
+            </a:r>
+            <a:r>
+              <a:rPr lang="de-CH" b="1" dirty="0" err="1" smtClean="0">
+                <a:solidFill>
+                  <a:srgbClr val="00B050"/>
+                </a:solidFill>
+              </a:rPr>
+              <a:t>team</a:t>
+            </a:r>
+            <a:r>
+              <a:rPr lang="de-CH" b="1" dirty="0" smtClean="0">
+                <a:solidFill>
+                  <a:srgbClr val="00B050"/>
+                </a:solidFill>
+              </a:rPr>
+              <a:t> </a:t>
+            </a:r>
+            <a:r>
+              <a:rPr lang="de-CH" b="1" dirty="0" err="1" smtClean="0">
+                <a:solidFill>
+                  <a:srgbClr val="00B050"/>
+                </a:solidFill>
+              </a:rPr>
+              <a:t>and</a:t>
+            </a:r>
+            <a:r>
+              <a:rPr lang="de-CH" b="1" dirty="0" smtClean="0">
+                <a:solidFill>
+                  <a:srgbClr val="00B050"/>
+                </a:solidFill>
+              </a:rPr>
+              <a:t> </a:t>
+            </a:r>
+            <a:r>
+              <a:rPr lang="de-CH" b="1" dirty="0" err="1" smtClean="0">
+                <a:solidFill>
+                  <a:srgbClr val="00B050"/>
+                </a:solidFill>
+              </a:rPr>
+              <a:t>the</a:t>
+            </a:r>
+            <a:r>
+              <a:rPr lang="de-CH" b="1" dirty="0" smtClean="0">
+                <a:solidFill>
+                  <a:srgbClr val="00B050"/>
+                </a:solidFill>
+              </a:rPr>
+              <a:t> </a:t>
+            </a:r>
+            <a:r>
+              <a:rPr lang="de-CH" b="1" dirty="0" err="1" smtClean="0">
+                <a:solidFill>
+                  <a:srgbClr val="00B050"/>
+                </a:solidFill>
+              </a:rPr>
+              <a:t>course</a:t>
+            </a:r>
+            <a:r>
+              <a:rPr lang="de-CH" b="1" dirty="0" smtClean="0">
+                <a:solidFill>
+                  <a:srgbClr val="00B050"/>
+                </a:solidFill>
+              </a:rPr>
+              <a:t>»</a:t>
+            </a:r>
             <a:endParaRPr lang="de-CH" dirty="0"/>
           </a:p>
         </p:txBody>
@@ -4948,8 +5110,23 @@
           <a:lstStyle/>
           <a:p>
             <a:r>
+              <a:rPr lang="de-CH" dirty="0" smtClean="0"/>
+              <a:t>Storyboards</a:t>
+            </a:r>
+          </a:p>
+          <a:p>
+            <a:pPr lvl="1"/>
+            <a:r>
               <a:rPr lang="de-CH" dirty="0" err="1" smtClean="0"/>
-              <a:t>Scrum</a:t>
+              <a:t>Better</a:t>
+            </a:r>
+            <a:r>
+              <a:rPr lang="de-CH" dirty="0" smtClean="0"/>
+              <a:t> Understanding </a:t>
+            </a:r>
+            <a:r>
+              <a:rPr lang="de-CH" dirty="0" err="1" smtClean="0"/>
+              <a:t>for</a:t>
             </a:r>
             <a:r>
               <a:rPr lang="de-CH" dirty="0" smtClean="0"/>
@@ -4957,15 +5134,30 @@
             </a:r>
             <a:r>
               <a:rPr lang="de-CH" dirty="0" err="1" smtClean="0"/>
-              <a:t>Retrospective</a:t>
+              <a:t>the</a:t>
+            </a:r>
+            <a:r>
+              <a:rPr lang="de-CH" dirty="0" smtClean="0"/>
+              <a:t> App</a:t>
             </a:r>
             <a:endParaRPr lang="de-CH" dirty="0" smtClean="0"/>
           </a:p>
           <a:p>
+            <a:r>
+              <a:rPr lang="de-CH" dirty="0" err="1" smtClean="0"/>
+              <a:t>Requirements</a:t>
+            </a:r>
+            <a:endParaRPr lang="de-CH" dirty="0" smtClean="0"/>
+          </a:p>
+          <a:p>
             <a:pPr lvl="1"/>
             <a:r>
+              <a:rPr lang="de-CH" dirty="0" smtClean="0"/>
+              <a:t>Not all </a:t>
+            </a:r>
+            <a:r>
               <a:rPr lang="de-CH" dirty="0" err="1" smtClean="0"/>
-              <a:t>Product</a:t>
+              <a:t>Requirements</a:t>
             </a:r>
             <a:r>
               <a:rPr lang="de-CH" dirty="0" smtClean="0"/>
@@ -4973,46 +5165,87 @@
             </a:r>
             <a:r>
               <a:rPr lang="de-CH" dirty="0" err="1" smtClean="0"/>
-              <a:t>Backlog</a:t>
+              <a:t>could</a:t>
+            </a:r>
+            <a:r>
+              <a:rPr lang="de-CH" dirty="0" smtClean="0"/>
+              <a:t> </a:t>
+            </a:r>
+            <a:r>
+              <a:rPr lang="de-CH" dirty="0" err="1" smtClean="0"/>
+              <a:t>be</a:t>
+            </a:r>
+            <a:r>
+              <a:rPr lang="de-CH" dirty="0" smtClean="0"/>
+              <a:t> </a:t>
+            </a:r>
+            <a:r>
+              <a:rPr lang="de-CH" dirty="0" err="1" smtClean="0"/>
+              <a:t>implemented</a:t>
             </a:r>
             <a:endParaRPr lang="de-CH" dirty="0" smtClean="0"/>
           </a:p>
           <a:p>
-            <a:pPr marL="0" indent="0">
-              <a:buNone/>
-            </a:pPr>
+            <a:r>
+              <a:rPr lang="de-CH" dirty="0" smtClean="0"/>
+              <a:t>Design</a:t>
+            </a:r>
+          </a:p>
+          <a:p>
+            <a:pPr lvl="1"/>
+            <a:r>
+              <a:rPr lang="de-CH" dirty="0" err="1" smtClean="0"/>
+              <a:t>Prototyping</a:t>
+            </a:r>
+            <a:r>
+              <a:rPr lang="de-CH" dirty="0" smtClean="0"/>
+              <a:t> </a:t>
+            </a:r>
+            <a:r>
+              <a:rPr lang="de-CH" dirty="0" err="1" smtClean="0"/>
+              <a:t>is</a:t>
+            </a:r>
+            <a:r>
+              <a:rPr lang="de-CH" dirty="0" smtClean="0"/>
+              <a:t> </a:t>
+            </a:r>
+            <a:r>
+              <a:rPr lang="de-CH" dirty="0" err="1" smtClean="0"/>
+              <a:t>very</a:t>
+            </a:r>
+            <a:r>
+              <a:rPr lang="de-CH" dirty="0" smtClean="0"/>
+              <a:t> </a:t>
+            </a:r>
+            <a:r>
+              <a:rPr lang="de-CH" dirty="0" err="1" smtClean="0"/>
+              <a:t>important</a:t>
+            </a:r>
             <a:endParaRPr lang="de-CH" dirty="0" smtClean="0"/>
           </a:p>
-        </p:txBody>
-      </p:sp>
-      <p:pic>
-        <p:nvPicPr>
-          <p:cNvPr id="4" name="Grafik 3"/>
-          <p:cNvPicPr>
-            <a:picLocks noChangeAspect="1"/>
-          </p:cNvPicPr>
-          <p:nvPr/>
-        </p:nvPicPr>
-        <p:blipFill>
-          <a:blip r:embed="rId2"/>
-          <a:stretch>
-            <a:fillRect/>
-          </a:stretch>
-        </p:blipFill>
-        <p:spPr>
-          <a:xfrm>
-            <a:off x="2091682" y="2939918"/>
-            <a:ext cx="7240010" cy="2886478"/>
-          </a:xfrm>
-          <a:prstGeom prst="rect">
-            <a:avLst/>
-          </a:prstGeom>
-        </p:spPr>
-      </p:pic>
+          <a:p>
+            <a:r>
+              <a:rPr lang="de-CH" dirty="0" smtClean="0"/>
+              <a:t>Implementation</a:t>
+            </a:r>
+          </a:p>
+          <a:p>
+            <a:pPr lvl="1"/>
+            <a:r>
+              <a:rPr lang="de-CH" dirty="0" smtClean="0"/>
+              <a:t>Organisation</a:t>
+            </a:r>
+            <a:endParaRPr lang="de-CH" dirty="0"/>
+          </a:p>
+          <a:p>
+            <a:endParaRPr lang="de-CH" dirty="0" smtClean="0"/>
+          </a:p>
+        </p:txBody>
+      </p:sp>
     </p:spTree>
     <p:extLst>
       <p:ext uri="{BB962C8B-B14F-4D97-AF65-F5344CB8AC3E}">
-        <p14:creationId xmlns:p14="http://schemas.microsoft.com/office/powerpoint/2010/main" val="3097192507"/>
+        <p14:creationId xmlns:p14="http://schemas.microsoft.com/office/powerpoint/2010/main" val="465705622"/>
       </p:ext>
     </p:extLst>
   </p:cSld>
@@ -5115,8 +5348,12 @@
           <a:p>
             <a:pPr lvl="1"/>
             <a:r>
+              <a:rPr lang="de-CH" dirty="0" err="1" smtClean="0"/>
+              <a:t>Product</a:t>
+            </a:r>
+            <a:r>
               <a:rPr lang="de-CH" dirty="0" smtClean="0"/>
-              <a:t>Sprint </a:t>
+              <a:t> </a:t>
             </a:r>
             <a:r>
               <a:rPr lang="de-CH" dirty="0" err="1" smtClean="0"/>
@@ -5134,7 +5371,7 @@
       </p:sp>
       <p:pic>
         <p:nvPicPr>
-          <p:cNvPr id="5" name="Grafik 4"/>
+          <p:cNvPr id="4" name="Grafik 3"/>
           <p:cNvPicPr>
             <a:picLocks noChangeAspect="1"/>
           </p:cNvPicPr>
@@ -5148,8 +5385,8 @@
         </p:blipFill>
         <p:spPr>
           <a:xfrm>
-            <a:off x="5221357" y="865295"/>
-            <a:ext cx="5632173" cy="5879741"/>
+            <a:off x="2091682" y="2939918"/>
+            <a:ext cx="7240010" cy="2886478"/>
           </a:xfrm>
           <a:prstGeom prst="rect">
             <a:avLst/>
@@ -5159,7 +5396,7 @@
     </p:spTree>
     <p:extLst>
       <p:ext uri="{BB962C8B-B14F-4D97-AF65-F5344CB8AC3E}">
-        <p14:creationId xmlns:p14="http://schemas.microsoft.com/office/powerpoint/2010/main" val="254550995"/>
+        <p14:creationId xmlns:p14="http://schemas.microsoft.com/office/powerpoint/2010/main" val="3097192507"/>
       </p:ext>
     </p:extLst>
   </p:cSld>

--- a/doc/task14/Task14.pptx
+++ b/doc/task14/Task14.pptx
@@ -5,7 +5,7 @@
     <p:sldMasterId id="2147483648" r:id="rId1"/>
   </p:sldMasterIdLst>
   <p:notesMasterIdLst>
-    <p:notesMasterId r:id="rId13"/>
+    <p:notesMasterId r:id="rId14"/>
   </p:notesMasterIdLst>
   <p:sldIdLst>
     <p:sldId id="270" r:id="rId2"/>
@@ -14,11 +14,12 @@
     <p:sldId id="273" r:id="rId5"/>
     <p:sldId id="275" r:id="rId6"/>
     <p:sldId id="276" r:id="rId7"/>
-    <p:sldId id="277" r:id="rId8"/>
-    <p:sldId id="278" r:id="rId9"/>
+    <p:sldId id="278" r:id="rId8"/>
+    <p:sldId id="283" r:id="rId9"/>
     <p:sldId id="279" r:id="rId10"/>
     <p:sldId id="280" r:id="rId11"/>
-    <p:sldId id="269" r:id="rId12"/>
+    <p:sldId id="281" r:id="rId12"/>
+    <p:sldId id="269" r:id="rId13"/>
   </p:sldIdLst>
   <p:sldSz cx="12192000" cy="6858000"/>
   <p:notesSz cx="6858000" cy="9144000"/>
@@ -3644,6 +3645,220 @@
           <a:lstStyle/>
           <a:p>
             <a:r>
+              <a:rPr lang="de-CH" b="1" dirty="0" smtClean="0">
+                <a:solidFill>
+                  <a:srgbClr val="00B050"/>
+                </a:solidFill>
+              </a:rPr>
+              <a:t>«</a:t>
+            </a:r>
+            <a:r>
+              <a:rPr lang="de-CH" b="1" dirty="0" err="1" smtClean="0">
+                <a:solidFill>
+                  <a:srgbClr val="00B050"/>
+                </a:solidFill>
+              </a:rPr>
+              <a:t>Me</a:t>
+            </a:r>
+            <a:r>
+              <a:rPr lang="de-CH" b="1" dirty="0" smtClean="0">
+                <a:solidFill>
+                  <a:srgbClr val="00B050"/>
+                </a:solidFill>
+              </a:rPr>
+              <a:t>, </a:t>
+            </a:r>
+            <a:r>
+              <a:rPr lang="de-CH" b="1" dirty="0" err="1" smtClean="0">
+                <a:solidFill>
+                  <a:srgbClr val="00B050"/>
+                </a:solidFill>
+              </a:rPr>
+              <a:t>my</a:t>
+            </a:r>
+            <a:r>
+              <a:rPr lang="de-CH" b="1" dirty="0" smtClean="0">
+                <a:solidFill>
+                  <a:srgbClr val="00B050"/>
+                </a:solidFill>
+              </a:rPr>
+              <a:t> </a:t>
+            </a:r>
+            <a:r>
+              <a:rPr lang="de-CH" b="1" dirty="0" err="1" smtClean="0">
+                <a:solidFill>
+                  <a:srgbClr val="00B050"/>
+                </a:solidFill>
+              </a:rPr>
+              <a:t>team</a:t>
+            </a:r>
+            <a:r>
+              <a:rPr lang="de-CH" b="1" dirty="0" smtClean="0">
+                <a:solidFill>
+                  <a:srgbClr val="00B050"/>
+                </a:solidFill>
+              </a:rPr>
+              <a:t> </a:t>
+            </a:r>
+            <a:r>
+              <a:rPr lang="de-CH" b="1" dirty="0" err="1" smtClean="0">
+                <a:solidFill>
+                  <a:srgbClr val="00B050"/>
+                </a:solidFill>
+              </a:rPr>
+              <a:t>and</a:t>
+            </a:r>
+            <a:r>
+              <a:rPr lang="de-CH" b="1" dirty="0" smtClean="0">
+                <a:solidFill>
+                  <a:srgbClr val="00B050"/>
+                </a:solidFill>
+              </a:rPr>
+              <a:t> </a:t>
+            </a:r>
+            <a:r>
+              <a:rPr lang="de-CH" b="1" dirty="0" err="1" smtClean="0">
+                <a:solidFill>
+                  <a:srgbClr val="00B050"/>
+                </a:solidFill>
+              </a:rPr>
+              <a:t>the</a:t>
+            </a:r>
+            <a:r>
+              <a:rPr lang="de-CH" b="1" dirty="0" smtClean="0">
+                <a:solidFill>
+                  <a:srgbClr val="00B050"/>
+                </a:solidFill>
+              </a:rPr>
+              <a:t> </a:t>
+            </a:r>
+            <a:r>
+              <a:rPr lang="de-CH" b="1" dirty="0" err="1" smtClean="0">
+                <a:solidFill>
+                  <a:srgbClr val="00B050"/>
+                </a:solidFill>
+              </a:rPr>
+              <a:t>course</a:t>
+            </a:r>
+            <a:r>
+              <a:rPr lang="de-CH" b="1" dirty="0" smtClean="0">
+                <a:solidFill>
+                  <a:srgbClr val="00B050"/>
+                </a:solidFill>
+              </a:rPr>
+              <a:t>»</a:t>
+            </a:r>
+            <a:endParaRPr lang="de-CH" dirty="0"/>
+          </a:p>
+        </p:txBody>
+      </p:sp>
+      <p:sp>
+        <p:nvSpPr>
+          <p:cNvPr id="3" name="Inhaltsplatzhalter 2"/>
+          <p:cNvSpPr>
+            <a:spLocks noGrp="1"/>
+          </p:cNvSpPr>
+          <p:nvPr>
+            <p:ph idx="1"/>
+          </p:nvPr>
+        </p:nvSpPr>
+        <p:spPr/>
+        <p:txBody>
+          <a:bodyPr>
+            <a:normAutofit/>
+          </a:bodyPr>
+          <a:lstStyle/>
+          <a:p>
+            <a:r>
+              <a:rPr lang="de-CH" dirty="0"/>
+              <a:t>Viel gelernt für zukünftige Projekte</a:t>
+            </a:r>
+          </a:p>
+          <a:p>
+            <a:r>
+              <a:rPr lang="de-CH" dirty="0" smtClean="0"/>
+              <a:t>Organisation / Ressourcenplanung</a:t>
+            </a:r>
+          </a:p>
+          <a:p>
+            <a:r>
+              <a:rPr lang="de-CH" dirty="0" smtClean="0"/>
+              <a:t>Motivation</a:t>
+            </a:r>
+          </a:p>
+          <a:p>
+            <a:r>
+              <a:rPr lang="de-CH" dirty="0" smtClean="0"/>
+              <a:t>Planung ist das A und O</a:t>
+            </a:r>
+          </a:p>
+          <a:p>
+            <a:r>
+              <a:rPr lang="de-CH" dirty="0" smtClean="0"/>
+              <a:t>Aufgabenverteilung und Umsetzung muss KLAR sein, bevor jeder für sich an seiner Klasse arbeitet</a:t>
+            </a:r>
+          </a:p>
+          <a:p>
+            <a:endParaRPr lang="de-CH" dirty="0"/>
+          </a:p>
+          <a:p>
+            <a:endParaRPr lang="de-CH" dirty="0" smtClean="0"/>
+          </a:p>
+        </p:txBody>
+      </p:sp>
+    </p:spTree>
+    <p:extLst>
+      <p:ext uri="{BB962C8B-B14F-4D97-AF65-F5344CB8AC3E}">
+        <p14:creationId xmlns:p14="http://schemas.microsoft.com/office/powerpoint/2010/main" val="1390610401"/>
+      </p:ext>
+    </p:extLst>
+  </p:cSld>
+  <p:clrMapOvr>
+    <a:masterClrMapping/>
+  </p:clrMapOvr>
+  <p:timing>
+    <p:tnLst>
+      <p:par>
+        <p:cTn id="1" dur="indefinite" restart="never" nodeType="tmRoot"/>
+      </p:par>
+    </p:tnLst>
+  </p:timing>
+</p:sld>
+</file>
+
+<file path=ppt/slides/slide12.xml><?xml version="1.0" encoding="utf-8"?>
+<p:sld xmlns:a="http://schemas.openxmlformats.org/drawingml/2006/main" xmlns:r="http://schemas.openxmlformats.org/officeDocument/2006/relationships" xmlns:p="http://schemas.openxmlformats.org/presentationml/2006/main">
+  <p:cSld>
+    <p:spTree>
+      <p:nvGrpSpPr>
+        <p:cNvPr id="1" name=""/>
+        <p:cNvGrpSpPr/>
+        <p:nvPr/>
+      </p:nvGrpSpPr>
+      <p:grpSpPr>
+        <a:xfrm>
+          <a:off x="0" y="0"/>
+          <a:ext cx="0" cy="0"/>
+          <a:chOff x="0" y="0"/>
+          <a:chExt cx="0" cy="0"/>
+        </a:xfrm>
+      </p:grpSpPr>
+      <p:sp>
+        <p:nvSpPr>
+          <p:cNvPr id="2" name="Titel 1"/>
+          <p:cNvSpPr>
+            <a:spLocks noGrp="1"/>
+          </p:cNvSpPr>
+          <p:nvPr>
+            <p:ph type="title"/>
+          </p:nvPr>
+        </p:nvSpPr>
+        <p:spPr/>
+        <p:txBody>
+          <a:bodyPr/>
+          <a:lstStyle/>
+          <a:p>
+            <a:r>
               <a:rPr lang="de-DE" b="1" dirty="0" err="1" smtClean="0">
                 <a:solidFill>
                   <a:srgbClr val="00B050"/>
@@ -3839,9 +4054,48 @@
             </a:pPr>
             <a:r>
               <a:rPr lang="de-CH" dirty="0" smtClean="0"/>
-              <a:t>Code Review</a:t>
-            </a:r>
-            <a:endParaRPr lang="de-CH" dirty="0"/>
+              <a:t>Code </a:t>
+            </a:r>
+            <a:r>
+              <a:rPr lang="de-CH" dirty="0" smtClean="0"/>
+              <a:t>Review</a:t>
+            </a:r>
+          </a:p>
+          <a:p>
+            <a:pPr lvl="1"/>
+            <a:r>
+              <a:rPr lang="de-CH" dirty="0" smtClean="0"/>
+              <a:t>Personal </a:t>
+            </a:r>
+            <a:r>
+              <a:rPr lang="de-CH" dirty="0" err="1" smtClean="0"/>
+              <a:t>Contribution</a:t>
+            </a:r>
+            <a:r>
+              <a:rPr lang="de-CH" dirty="0" smtClean="0"/>
+              <a:t> </a:t>
+            </a:r>
+            <a:r>
+              <a:rPr lang="de-CH" dirty="0" err="1" smtClean="0"/>
+              <a:t>of</a:t>
+            </a:r>
+            <a:r>
+              <a:rPr lang="de-CH" dirty="0" smtClean="0"/>
+              <a:t> </a:t>
+            </a:r>
+            <a:r>
+              <a:rPr lang="de-CH" dirty="0" err="1" smtClean="0"/>
+              <a:t>each</a:t>
+            </a:r>
+            <a:r>
+              <a:rPr lang="de-CH" dirty="0" smtClean="0"/>
+              <a:t> Team </a:t>
+            </a:r>
+            <a:r>
+              <a:rPr lang="de-CH" dirty="0" err="1" smtClean="0"/>
+              <a:t>member</a:t>
+            </a:r>
+            <a:endParaRPr lang="de-CH" dirty="0" smtClean="0"/>
           </a:p>
           <a:p>
             <a:pPr marL="514350" indent="-514350">
@@ -3849,85 +4103,50 @@
               <a:buAutoNum type="arabicPeriod"/>
             </a:pPr>
             <a:r>
+              <a:rPr lang="de-CH" dirty="0" smtClean="0"/>
+              <a:t>Learning </a:t>
+            </a:r>
+            <a:r>
+              <a:rPr lang="de-CH" dirty="0" err="1" smtClean="0"/>
+              <a:t>Process</a:t>
+            </a:r>
+            <a:endParaRPr lang="de-CH" dirty="0"/>
+          </a:p>
+          <a:p>
+            <a:pPr lvl="1"/>
+            <a:r>
+              <a:rPr lang="de-CH" dirty="0" smtClean="0"/>
+              <a:t>Storyboard </a:t>
+            </a:r>
+            <a:r>
               <a:rPr lang="de-CH" dirty="0"/>
-              <a:t>Personal </a:t>
+              <a:t>– </a:t>
             </a:r>
             <a:r>
               <a:rPr lang="de-CH" dirty="0" err="1"/>
-              <a:t>Contribution</a:t>
+              <a:t>Requirements</a:t>
+            </a:r>
+            <a:r>
+              <a:rPr lang="de-CH" dirty="0"/>
+              <a:t> – Design – Implementation </a:t>
+            </a:r>
+            <a:endParaRPr lang="de-CH" dirty="0" smtClean="0"/>
+          </a:p>
+          <a:p>
+            <a:pPr lvl="1"/>
+            <a:r>
+              <a:rPr lang="de-CH" dirty="0" err="1"/>
+              <a:t>Scrum</a:t>
             </a:r>
             <a:r>
               <a:rPr lang="de-CH" dirty="0"/>
               <a:t> </a:t>
             </a:r>
             <a:r>
-              <a:rPr lang="de-CH" dirty="0" err="1"/>
-              <a:t>of</a:t>
-            </a:r>
-            <a:r>
-              <a:rPr lang="de-CH" dirty="0"/>
-              <a:t> </a:t>
-            </a:r>
-            <a:r>
-              <a:rPr lang="de-CH" dirty="0" err="1"/>
-              <a:t>each</a:t>
-            </a:r>
-            <a:r>
-              <a:rPr lang="de-CH" dirty="0"/>
-              <a:t> Team </a:t>
-            </a:r>
-            <a:r>
-              <a:rPr lang="de-CH" dirty="0" err="1"/>
-              <a:t>member</a:t>
+              <a:rPr lang="de-CH" dirty="0" err="1" smtClean="0"/>
+              <a:t>Retrospective</a:t>
             </a:r>
             <a:endParaRPr lang="de-CH" dirty="0"/>
-          </a:p>
-          <a:p>
-            <a:pPr lvl="1"/>
-            <a:r>
-              <a:rPr lang="de-CH" dirty="0" err="1" smtClean="0"/>
-              <a:t>Me</a:t>
-            </a:r>
-            <a:r>
-              <a:rPr lang="de-CH" dirty="0" smtClean="0"/>
-              <a:t>, </a:t>
-            </a:r>
-            <a:r>
-              <a:rPr lang="de-CH" dirty="0" err="1"/>
-              <a:t>m</a:t>
-            </a:r>
-            <a:r>
-              <a:rPr lang="de-CH" dirty="0" err="1" smtClean="0"/>
-              <a:t>y</a:t>
-            </a:r>
-            <a:r>
-              <a:rPr lang="de-CH" dirty="0" smtClean="0"/>
-              <a:t> </a:t>
-            </a:r>
-            <a:r>
-              <a:rPr lang="de-CH" dirty="0" err="1" smtClean="0"/>
-              <a:t>team</a:t>
-            </a:r>
-            <a:r>
-              <a:rPr lang="de-CH" dirty="0" smtClean="0"/>
-              <a:t> </a:t>
-            </a:r>
-            <a:r>
-              <a:rPr lang="de-CH" dirty="0" err="1" smtClean="0"/>
-              <a:t>and</a:t>
-            </a:r>
-            <a:r>
-              <a:rPr lang="de-CH" dirty="0" smtClean="0"/>
-              <a:t> </a:t>
-            </a:r>
-            <a:r>
-              <a:rPr lang="de-CH" dirty="0" err="1" smtClean="0"/>
-              <a:t>the</a:t>
-            </a:r>
-            <a:r>
-              <a:rPr lang="de-CH" dirty="0" smtClean="0"/>
-              <a:t> Course</a:t>
-            </a:r>
           </a:p>
           <a:p>
             <a:pPr marL="514350" indent="-514350">
@@ -3935,45 +4154,69 @@
               <a:buAutoNum type="arabicPeriod"/>
             </a:pPr>
             <a:r>
-              <a:rPr lang="de-CH" dirty="0" smtClean="0"/>
-              <a:t>Learning </a:t>
-            </a:r>
-            <a:r>
-              <a:rPr lang="de-CH" dirty="0" err="1" smtClean="0"/>
-              <a:t>Process</a:t>
+              <a:rPr lang="de-CH" dirty="0" err="1"/>
+              <a:t>Me</a:t>
+            </a:r>
+            <a:r>
+              <a:rPr lang="de-CH" dirty="0"/>
+              <a:t>, </a:t>
+            </a:r>
+            <a:r>
+              <a:rPr lang="de-CH" dirty="0" err="1"/>
+              <a:t>my</a:t>
+            </a:r>
+            <a:r>
+              <a:rPr lang="de-CH" dirty="0"/>
+              <a:t> </a:t>
+            </a:r>
+            <a:r>
+              <a:rPr lang="de-CH" dirty="0" err="1"/>
+              <a:t>team</a:t>
+            </a:r>
+            <a:r>
+              <a:rPr lang="de-CH" dirty="0"/>
+              <a:t> </a:t>
+            </a:r>
+            <a:r>
+              <a:rPr lang="de-CH" dirty="0" err="1"/>
+              <a:t>and</a:t>
+            </a:r>
+            <a:r>
+              <a:rPr lang="de-CH" dirty="0"/>
+              <a:t> </a:t>
+            </a:r>
+            <a:r>
+              <a:rPr lang="de-CH" dirty="0" err="1"/>
+              <a:t>the</a:t>
+            </a:r>
+            <a:r>
+              <a:rPr lang="de-CH" dirty="0"/>
+              <a:t> </a:t>
+            </a:r>
+            <a:r>
+              <a:rPr lang="de-CH" dirty="0" err="1"/>
+              <a:t>course</a:t>
             </a:r>
             <a:endParaRPr lang="de-CH" dirty="0"/>
           </a:p>
           <a:p>
-            <a:pPr lvl="1"/>
-            <a:r>
-              <a:rPr lang="de-CH" dirty="0" err="1" smtClean="0"/>
-              <a:t>Scrum</a:t>
-            </a:r>
-            <a:r>
-              <a:rPr lang="de-CH" dirty="0" smtClean="0"/>
-              <a:t> </a:t>
-            </a:r>
-            <a:r>
-              <a:rPr lang="de-CH" dirty="0" err="1" smtClean="0"/>
-              <a:t>Retrospective</a:t>
-            </a:r>
+            <a:pPr marL="0" indent="0">
+              <a:buNone/>
+            </a:pPr>
+            <a:endParaRPr lang="de-CH" dirty="0"/>
+          </a:p>
+          <a:p>
+            <a:pPr marL="457200" lvl="1" indent="0">
+              <a:buNone/>
+            </a:pPr>
+            <a:endParaRPr lang="de-CH" dirty="0"/>
+          </a:p>
+          <a:p>
+            <a:pPr marL="514350" indent="-514350">
+              <a:buFont typeface="+mj-lt"/>
+              <a:buAutoNum type="arabicPeriod"/>
+            </a:pPr>
             <a:endParaRPr lang="de-CH" dirty="0" smtClean="0"/>
-          </a:p>
-          <a:p>
-            <a:pPr lvl="1"/>
-            <a:r>
-              <a:rPr lang="de-CH" dirty="0"/>
-              <a:t>Storyboard – </a:t>
-            </a:r>
-            <a:r>
-              <a:rPr lang="de-CH" dirty="0" err="1"/>
-              <a:t>Requirements</a:t>
-            </a:r>
-            <a:r>
-              <a:rPr lang="de-CH" dirty="0"/>
-              <a:t> – Design – Implementation </a:t>
-            </a:r>
           </a:p>
           <a:p>
             <a:pPr lvl="1"/>
@@ -4331,11 +4574,7 @@
             </a:r>
             <a:r>
               <a:rPr lang="de-CH" dirty="0" smtClean="0"/>
-              <a:t> </a:t>
-            </a:r>
-            <a:r>
-              <a:rPr lang="de-CH" dirty="0" smtClean="0"/>
-              <a:t>Controller</a:t>
+              <a:t> Controller</a:t>
             </a:r>
           </a:p>
           <a:p>
@@ -4343,7 +4582,6 @@
               <a:rPr lang="de-CH" dirty="0" smtClean="0"/>
               <a:t>(State Pattern)</a:t>
             </a:r>
-            <a:endParaRPr lang="de-CH" dirty="0" smtClean="0"/>
           </a:p>
         </p:txBody>
       </p:sp>
@@ -4784,7 +5022,7 @@
                   <a:srgbClr val="00B050"/>
                 </a:solidFill>
               </a:rPr>
-              <a:t>Personal </a:t>
+              <a:t>Learning </a:t>
             </a:r>
             <a:r>
               <a:rPr lang="de-CH" b="1" dirty="0" err="1" smtClean="0">
@@ -4792,174 +5030,7 @@
                   <a:srgbClr val="00B050"/>
                 </a:solidFill>
               </a:rPr>
-              <a:t>Contribution</a:t>
-            </a:r>
-            <a:r>
-              <a:rPr lang="de-CH" b="1" dirty="0" smtClean="0">
-                <a:solidFill>
-                  <a:srgbClr val="00B050"/>
-                </a:solidFill>
-              </a:rPr>
-              <a:t> </a:t>
-            </a:r>
-            <a:r>
-              <a:rPr lang="de-CH" b="1" dirty="0" err="1" smtClean="0">
-                <a:solidFill>
-                  <a:srgbClr val="00B050"/>
-                </a:solidFill>
-              </a:rPr>
-              <a:t>of</a:t>
-            </a:r>
-            <a:r>
-              <a:rPr lang="de-CH" b="1" dirty="0" smtClean="0">
-                <a:solidFill>
-                  <a:srgbClr val="00B050"/>
-                </a:solidFill>
-              </a:rPr>
-              <a:t> </a:t>
-            </a:r>
-            <a:r>
-              <a:rPr lang="de-CH" b="1" dirty="0" err="1" smtClean="0">
-                <a:solidFill>
-                  <a:srgbClr val="00B050"/>
-                </a:solidFill>
-              </a:rPr>
-              <a:t>each</a:t>
-            </a:r>
-            <a:r>
-              <a:rPr lang="de-CH" b="1" dirty="0" smtClean="0">
-                <a:solidFill>
-                  <a:srgbClr val="00B050"/>
-                </a:solidFill>
-              </a:rPr>
-              <a:t> Team </a:t>
-            </a:r>
-            <a:r>
-              <a:rPr lang="de-CH" b="1" dirty="0" err="1" smtClean="0">
-                <a:solidFill>
-                  <a:srgbClr val="00B050"/>
-                </a:solidFill>
-              </a:rPr>
-              <a:t>member</a:t>
-            </a:r>
-            <a:r>
-              <a:rPr lang="de-CH" b="1" dirty="0" smtClean="0">
-                <a:solidFill>
-                  <a:srgbClr val="00B050"/>
-                </a:solidFill>
-              </a:rPr>
-              <a:t/>
-            </a:r>
-            <a:br>
-              <a:rPr lang="de-CH" b="1" dirty="0" smtClean="0">
-                <a:solidFill>
-                  <a:srgbClr val="00B050"/>
-                </a:solidFill>
-              </a:rPr>
-            </a:br>
-            <a:r>
-              <a:rPr lang="de-CH" b="1" dirty="0" smtClean="0">
-                <a:solidFill>
-                  <a:srgbClr val="00B050"/>
-                </a:solidFill>
-              </a:rPr>
-              <a:t>«</a:t>
-            </a:r>
-            <a:r>
-              <a:rPr lang="de-CH" b="1" dirty="0" err="1" smtClean="0">
-                <a:solidFill>
-                  <a:srgbClr val="00B050"/>
-                </a:solidFill>
-              </a:rPr>
-              <a:t>Me</a:t>
-            </a:r>
-            <a:r>
-              <a:rPr lang="de-CH" b="1" dirty="0" smtClean="0">
-                <a:solidFill>
-                  <a:srgbClr val="00B050"/>
-                </a:solidFill>
-              </a:rPr>
-              <a:t>, </a:t>
-            </a:r>
-            <a:r>
-              <a:rPr lang="de-CH" b="1" dirty="0" err="1" smtClean="0">
-                <a:solidFill>
-                  <a:srgbClr val="00B050"/>
-                </a:solidFill>
-              </a:rPr>
-              <a:t>my</a:t>
-            </a:r>
-            <a:r>
-              <a:rPr lang="de-CH" b="1" dirty="0" smtClean="0">
-                <a:solidFill>
-                  <a:srgbClr val="00B050"/>
-                </a:solidFill>
-              </a:rPr>
-              <a:t> </a:t>
-            </a:r>
-            <a:r>
-              <a:rPr lang="de-CH" b="1" dirty="0" err="1" smtClean="0">
-                <a:solidFill>
-                  <a:srgbClr val="00B050"/>
-                </a:solidFill>
-              </a:rPr>
-              <a:t>team</a:t>
-            </a:r>
-            <a:r>
-              <a:rPr lang="de-CH" b="1" dirty="0" smtClean="0">
-                <a:solidFill>
-                  <a:srgbClr val="00B050"/>
-                </a:solidFill>
-              </a:rPr>
-              <a:t> </a:t>
-            </a:r>
-            <a:r>
-              <a:rPr lang="de-CH" b="1" dirty="0" err="1" smtClean="0">
-                <a:solidFill>
-                  <a:srgbClr val="00B050"/>
-                </a:solidFill>
-              </a:rPr>
-              <a:t>and</a:t>
-            </a:r>
-            <a:r>
-              <a:rPr lang="de-CH" b="1" dirty="0" smtClean="0">
-                <a:solidFill>
-                  <a:srgbClr val="00B050"/>
-                </a:solidFill>
-              </a:rPr>
-              <a:t> </a:t>
-            </a:r>
-            <a:r>
-              <a:rPr lang="de-CH" b="1" dirty="0" err="1" smtClean="0">
-                <a:solidFill>
-                  <a:srgbClr val="00B050"/>
-                </a:solidFill>
-              </a:rPr>
-              <a:t>the</a:t>
-            </a:r>
-            <a:r>
-              <a:rPr lang="de-CH" b="1" dirty="0" smtClean="0">
-                <a:solidFill>
-                  <a:srgbClr val="00B050"/>
-                </a:solidFill>
-              </a:rPr>
-              <a:t> </a:t>
-            </a:r>
-            <a:r>
-              <a:rPr lang="de-CH" b="1" dirty="0" err="1" smtClean="0">
-                <a:solidFill>
-                  <a:srgbClr val="00B050"/>
-                </a:solidFill>
-              </a:rPr>
-              <a:t>course</a:t>
-            </a:r>
-            <a:r>
-              <a:rPr lang="de-CH" b="1" dirty="0" smtClean="0">
-                <a:solidFill>
-                  <a:srgbClr val="00B050"/>
-                </a:solidFill>
-              </a:rPr>
-              <a:t>»</a:t>
+              <a:t>Process</a:t>
             </a:r>
             <a:endParaRPr lang="de-CH" dirty="0"/>
           </a:p>
@@ -4983,39 +5054,77 @@
           <a:lstStyle/>
           <a:p>
             <a:r>
+              <a:rPr lang="de-CH" dirty="0" smtClean="0"/>
+              <a:t>Storyboards</a:t>
+            </a:r>
+          </a:p>
+          <a:p>
+            <a:pPr lvl="1"/>
+            <a:r>
+              <a:rPr lang="de-CH" dirty="0" smtClean="0"/>
+              <a:t>Klarer Ablauf der Funktionalität</a:t>
+            </a:r>
+          </a:p>
+          <a:p>
+            <a:pPr lvl="1"/>
+            <a:r>
+              <a:rPr lang="de-CH" dirty="0" smtClean="0">
+                <a:sym typeface="Wingdings" panose="05000000000000000000" pitchFamily="2" charset="2"/>
+              </a:rPr>
+              <a:t>Viele Storyboards </a:t>
+            </a:r>
+            <a:r>
+              <a:rPr lang="de-CH" dirty="0" smtClean="0">
+                <a:sym typeface="Wingdings" panose="05000000000000000000" pitchFamily="2" charset="2"/>
+              </a:rPr>
+              <a:t>zu ähnlich</a:t>
+            </a:r>
+          </a:p>
+          <a:p>
+            <a:pPr lvl="1"/>
+            <a:r>
+              <a:rPr lang="de-CH" dirty="0" smtClean="0">
+                <a:sym typeface="Wingdings" panose="05000000000000000000" pitchFamily="2" charset="2"/>
+              </a:rPr>
+              <a:t>Praktische Anwendung im Vordergrund</a:t>
+            </a:r>
+            <a:endParaRPr lang="de-CH" dirty="0" smtClean="0"/>
+          </a:p>
+          <a:p>
+            <a:r>
               <a:rPr lang="de-CH" dirty="0" err="1" smtClean="0"/>
-              <a:t>Mele</a:t>
+              <a:t>Requirements</a:t>
             </a:r>
             <a:endParaRPr lang="de-CH" dirty="0" smtClean="0"/>
           </a:p>
           <a:p>
+            <a:pPr lvl="1"/>
+            <a:r>
+              <a:rPr lang="de-CH" dirty="0" err="1" smtClean="0"/>
+              <a:t>Requirements</a:t>
+            </a:r>
             <a:r>
               <a:rPr lang="de-CH" dirty="0" smtClean="0"/>
-              <a:t>Pfister</a:t>
-            </a:r>
-          </a:p>
-          <a:p>
+              <a:t> können sich ändern</a:t>
+            </a:r>
+          </a:p>
+          <a:p>
+            <a:pPr lvl="1"/>
+            <a:r>
+              <a:rPr lang="de-CH" dirty="0" smtClean="0"/>
+              <a:t>Fokus auf Hauptfunktionen legen</a:t>
+            </a:r>
+          </a:p>
+          <a:p>
+            <a:pPr lvl="1"/>
+            <a:r>
+              <a:rPr lang="de-CH" dirty="0" smtClean="0"/>
+              <a:t>Interview wichtig für </a:t>
+            </a:r>
             <a:r>
               <a:rPr lang="de-CH" dirty="0" err="1" smtClean="0"/>
-              <a:t>Portmann</a:t>
-            </a:r>
-            <a:endParaRPr lang="de-CH" dirty="0" smtClean="0"/>
-          </a:p>
-          <a:p>
-            <a:r>
-              <a:rPr lang="de-CH" dirty="0" err="1" smtClean="0"/>
-              <a:t>Vladi</a:t>
-            </a:r>
-            <a:endParaRPr lang="de-CH" dirty="0" smtClean="0"/>
-          </a:p>
-          <a:p>
-            <a:r>
-              <a:rPr lang="de-CH" dirty="0" smtClean="0"/>
-              <a:t>Ramos</a:t>
-            </a:r>
-            <a:endParaRPr lang="de-CH" dirty="0"/>
-          </a:p>
-          <a:p>
+              <a:t>Requirements</a:t>
+            </a:r>
             <a:endParaRPr lang="de-CH" dirty="0" smtClean="0"/>
           </a:p>
         </p:txBody>
@@ -5023,7 +5132,7 @@
     </p:spTree>
     <p:extLst>
       <p:ext uri="{BB962C8B-B14F-4D97-AF65-F5344CB8AC3E}">
-        <p14:creationId xmlns:p14="http://schemas.microsoft.com/office/powerpoint/2010/main" val="3102671121"/>
+        <p14:creationId xmlns:p14="http://schemas.microsoft.com/office/powerpoint/2010/main" val="465705622"/>
       </p:ext>
     </p:extLst>
   </p:cSld>
@@ -5110,130 +5219,66 @@
           <a:lstStyle/>
           <a:p>
             <a:r>
-              <a:rPr lang="de-CH" dirty="0" smtClean="0"/>
-              <a:t>Storyboards</a:t>
+              <a:rPr lang="de-CH" dirty="0"/>
+              <a:t>Design</a:t>
             </a:r>
           </a:p>
           <a:p>
             <a:pPr lvl="1"/>
             <a:r>
-              <a:rPr lang="de-CH" dirty="0" err="1" smtClean="0"/>
-              <a:t>Better</a:t>
-            </a:r>
-            <a:r>
-              <a:rPr lang="de-CH" dirty="0" smtClean="0"/>
-              <a:t> Understanding </a:t>
-            </a:r>
-            <a:r>
-              <a:rPr lang="de-CH" dirty="0" err="1" smtClean="0"/>
-              <a:t>for</a:t>
-            </a:r>
-            <a:r>
-              <a:rPr lang="de-CH" dirty="0" smtClean="0"/>
-              <a:t> </a:t>
-            </a:r>
-            <a:r>
-              <a:rPr lang="de-CH" dirty="0" err="1" smtClean="0"/>
-              <a:t>the</a:t>
-            </a:r>
-            <a:r>
-              <a:rPr lang="de-CH" dirty="0" smtClean="0"/>
-              <a:t> App</a:t>
-            </a:r>
-            <a:endParaRPr lang="de-CH" dirty="0" smtClean="0"/>
-          </a:p>
-          <a:p>
-            <a:r>
-              <a:rPr lang="de-CH" dirty="0" err="1" smtClean="0"/>
-              <a:t>Requirements</a:t>
-            </a:r>
-            <a:endParaRPr lang="de-CH" dirty="0" smtClean="0"/>
+              <a:rPr lang="de-CH" dirty="0" err="1"/>
+              <a:t>Prototyping</a:t>
+            </a:r>
+            <a:r>
+              <a:rPr lang="de-CH" dirty="0"/>
+              <a:t> ist sehr wichtig</a:t>
+            </a:r>
           </a:p>
           <a:p>
             <a:pPr lvl="1"/>
             <a:r>
-              <a:rPr lang="de-CH" dirty="0" smtClean="0"/>
-              <a:t>Not all </a:t>
-            </a:r>
-            <a:r>
-              <a:rPr lang="de-CH" dirty="0" err="1" smtClean="0"/>
-              <a:t>Requirements</a:t>
-            </a:r>
-            <a:r>
-              <a:rPr lang="de-CH" dirty="0" smtClean="0"/>
-              <a:t> </a:t>
-            </a:r>
-            <a:r>
-              <a:rPr lang="de-CH" dirty="0" err="1" smtClean="0"/>
-              <a:t>could</a:t>
-            </a:r>
-            <a:r>
-              <a:rPr lang="de-CH" dirty="0" smtClean="0"/>
-              <a:t> </a:t>
-            </a:r>
-            <a:r>
-              <a:rPr lang="de-CH" dirty="0" err="1" smtClean="0"/>
-              <a:t>be</a:t>
-            </a:r>
-            <a:r>
-              <a:rPr lang="de-CH" dirty="0" smtClean="0"/>
-              <a:t> </a:t>
-            </a:r>
-            <a:r>
-              <a:rPr lang="de-CH" dirty="0" err="1" smtClean="0"/>
-              <a:t>implemented</a:t>
-            </a:r>
-            <a:endParaRPr lang="de-CH" dirty="0" smtClean="0"/>
-          </a:p>
-          <a:p>
-            <a:r>
-              <a:rPr lang="de-CH" dirty="0" smtClean="0"/>
-              <a:t>Design</a:t>
+              <a:rPr lang="de-CH" dirty="0"/>
+              <a:t>Models (DB, Klassendiagramm)</a:t>
             </a:r>
           </a:p>
           <a:p>
             <a:pPr lvl="1"/>
             <a:r>
-              <a:rPr lang="de-CH" dirty="0" err="1" smtClean="0"/>
-              <a:t>Prototyping</a:t>
-            </a:r>
-            <a:r>
-              <a:rPr lang="de-CH" dirty="0" smtClean="0"/>
-              <a:t> </a:t>
-            </a:r>
-            <a:r>
-              <a:rPr lang="de-CH" dirty="0" err="1" smtClean="0"/>
-              <a:t>is</a:t>
-            </a:r>
-            <a:r>
-              <a:rPr lang="de-CH" dirty="0" smtClean="0"/>
-              <a:t> </a:t>
-            </a:r>
-            <a:r>
-              <a:rPr lang="de-CH" dirty="0" err="1" smtClean="0"/>
-              <a:t>very</a:t>
-            </a:r>
-            <a:r>
-              <a:rPr lang="de-CH" dirty="0" smtClean="0"/>
-              <a:t> </a:t>
-            </a:r>
-            <a:r>
-              <a:rPr lang="de-CH" dirty="0" err="1" smtClean="0"/>
-              <a:t>important</a:t>
-            </a:r>
-            <a:endParaRPr lang="de-CH" dirty="0" smtClean="0"/>
-          </a:p>
-          <a:p>
-            <a:r>
-              <a:rPr lang="de-CH" dirty="0" smtClean="0"/>
+              <a:rPr lang="de-CH" dirty="0"/>
+              <a:t>UML Diagramme helfen bei Implementation</a:t>
+            </a:r>
+          </a:p>
+          <a:p>
+            <a:r>
+              <a:rPr lang="de-CH" dirty="0"/>
               <a:t>Implementation</a:t>
             </a:r>
           </a:p>
           <a:p>
             <a:pPr lvl="1"/>
             <a:r>
-              <a:rPr lang="de-CH" dirty="0" smtClean="0"/>
+              <a:rPr lang="de-CH" dirty="0"/>
               <a:t>Organisation</a:t>
+            </a:r>
+          </a:p>
+          <a:p>
+            <a:pPr lvl="1"/>
+            <a:r>
+              <a:rPr lang="de-CH" dirty="0"/>
+              <a:t>Unterschiedlicher Wissensstand</a:t>
+            </a:r>
+          </a:p>
+          <a:p>
+            <a:pPr lvl="1"/>
+            <a:r>
+              <a:rPr lang="de-CH" dirty="0"/>
+              <a:t>DB am Anfang </a:t>
+            </a:r>
+            <a:r>
+              <a:rPr lang="de-CH" dirty="0">
+                <a:sym typeface="Wingdings" panose="05000000000000000000" pitchFamily="2" charset="2"/>
+              </a:rPr>
+              <a:t> eher schlecht</a:t>
             </a:r>
             <a:endParaRPr lang="de-CH" dirty="0"/>
           </a:p>
@@ -5245,7 +5290,7 @@
     </p:spTree>
     <p:extLst>
       <p:ext uri="{BB962C8B-B14F-4D97-AF65-F5344CB8AC3E}">
-        <p14:creationId xmlns:p14="http://schemas.microsoft.com/office/powerpoint/2010/main" val="465705622"/>
+        <p14:creationId xmlns:p14="http://schemas.microsoft.com/office/powerpoint/2010/main" val="142353843"/>
       </p:ext>
     </p:extLst>
   </p:cSld>
@@ -5348,6 +5393,22 @@
           <a:p>
             <a:pPr lvl="1"/>
             <a:r>
+              <a:rPr lang="de-CH" dirty="0" smtClean="0"/>
+              <a:t>Daily </a:t>
+            </a:r>
+            <a:r>
+              <a:rPr lang="de-CH" dirty="0" err="1" smtClean="0"/>
+              <a:t>Scrum</a:t>
+            </a:r>
+            <a:r>
+              <a:rPr lang="de-CH" dirty="0" smtClean="0"/>
+              <a:t> - ok</a:t>
+            </a:r>
+            <a:endParaRPr lang="de-CH" dirty="0" smtClean="0"/>
+          </a:p>
+          <a:p>
+            <a:pPr lvl="1"/>
+            <a:r>
               <a:rPr lang="de-CH" dirty="0" err="1" smtClean="0"/>
               <a:t>Product</a:t>
             </a:r>
@@ -5385,7 +5446,7 @@
         </p:blipFill>
         <p:spPr>
           <a:xfrm>
-            <a:off x="2091682" y="2939918"/>
+            <a:off x="2104934" y="3151953"/>
             <a:ext cx="7240010" cy="2886478"/>
           </a:xfrm>
           <a:prstGeom prst="rect">

--- a/doc/task14/Task14.pptx
+++ b/doc/task14/Task14.pptx
@@ -4318,6 +4318,30 @@
           </a:p>
         </p:txBody>
       </p:sp>
+      <p:pic>
+        <p:nvPicPr>
+          <p:cNvPr id="4" name="Grafik 3"/>
+          <p:cNvPicPr>
+            <a:picLocks noChangeAspect="1"/>
+          </p:cNvPicPr>
+          <p:nvPr/>
+        </p:nvPicPr>
+        <p:blipFill>
+          <a:blip r:embed="rId3"/>
+          <a:stretch>
+            <a:fillRect/>
+          </a:stretch>
+        </p:blipFill>
+        <p:spPr>
+          <a:xfrm>
+            <a:off x="8022349" y="1690688"/>
+            <a:ext cx="2667372" cy="4953691"/>
+          </a:xfrm>
+          <a:prstGeom prst="rect">
+            <a:avLst/>
+          </a:prstGeom>
+        </p:spPr>
+      </p:pic>
     </p:spTree>
     <p:extLst>
       <p:ext uri="{BB962C8B-B14F-4D97-AF65-F5344CB8AC3E}">
@@ -4376,15 +4400,7 @@
                   <a:srgbClr val="00B050"/>
                 </a:solidFill>
               </a:rPr>
-              <a:t>Code Review (</a:t>
-            </a:r>
-            <a:r>
-              <a:rPr lang="de-CH" b="1" dirty="0" err="1" smtClean="0">
-                <a:solidFill>
-                  <a:srgbClr val="00B050"/>
-                </a:solidFill>
-              </a:rPr>
-              <a:t>Mele</a:t>
+              <a:t>Code Review </a:t>
             </a:r>
             <a:r>
               <a:rPr lang="de-CH" b="1" dirty="0" smtClean="0">
@@ -4392,7 +4408,7 @@
                   <a:srgbClr val="00B050"/>
                 </a:solidFill>
               </a:rPr>
-              <a:t>)</a:t>
+              <a:t>(Pfister)</a:t>
             </a:r>
             <a:endParaRPr lang="de-CH" dirty="0"/>
           </a:p>
@@ -4408,10 +4424,15 @@
             <p:ph idx="1"/>
           </p:nvPr>
         </p:nvSpPr>
-        <p:spPr/>
+        <p:spPr>
+          <a:xfrm>
+            <a:off x="838200" y="3710609"/>
+            <a:ext cx="10515600" cy="2466353"/>
+          </a:xfrm>
+        </p:spPr>
         <p:txBody>
           <a:bodyPr>
-            <a:normAutofit/>
+            <a:normAutofit lnSpcReduction="10000"/>
           </a:bodyPr>
           <a:lstStyle/>
           <a:p>
@@ -4448,193 +4469,6 @@
               <a:rPr lang="de-CH" dirty="0" smtClean="0"/>
               <a:t>(State Pattern)</a:t>
             </a:r>
-          </a:p>
-        </p:txBody>
-      </p:sp>
-    </p:spTree>
-    <p:extLst>
-      <p:ext uri="{BB962C8B-B14F-4D97-AF65-F5344CB8AC3E}">
-        <p14:creationId xmlns:p14="http://schemas.microsoft.com/office/powerpoint/2010/main" val="2528679063"/>
-      </p:ext>
-    </p:extLst>
-  </p:cSld>
-  <p:clrMapOvr>
-    <a:masterClrMapping/>
-  </p:clrMapOvr>
-  <p:timing>
-    <p:tnLst>
-      <p:par>
-        <p:cTn id="1" dur="indefinite" restart="never" nodeType="tmRoot"/>
-      </p:par>
-    </p:tnLst>
-  </p:timing>
-</p:sld>
-</file>
-
-<file path=ppt/slides/slide5.xml><?xml version="1.0" encoding="utf-8"?>
-<p:sld xmlns:a="http://schemas.openxmlformats.org/drawingml/2006/main" xmlns:r="http://schemas.openxmlformats.org/officeDocument/2006/relationships" xmlns:p="http://schemas.openxmlformats.org/presentationml/2006/main">
-  <p:cSld>
-    <p:spTree>
-      <p:nvGrpSpPr>
-        <p:cNvPr id="1" name=""/>
-        <p:cNvGrpSpPr/>
-        <p:nvPr/>
-      </p:nvGrpSpPr>
-      <p:grpSpPr>
-        <a:xfrm>
-          <a:off x="0" y="0"/>
-          <a:ext cx="0" cy="0"/>
-          <a:chOff x="0" y="0"/>
-          <a:chExt cx="0" cy="0"/>
-        </a:xfrm>
-      </p:grpSpPr>
-      <p:sp>
-        <p:nvSpPr>
-          <p:cNvPr id="2" name="Titel 1"/>
-          <p:cNvSpPr>
-            <a:spLocks noGrp="1"/>
-          </p:cNvSpPr>
-          <p:nvPr>
-            <p:ph type="title"/>
-          </p:nvPr>
-        </p:nvSpPr>
-        <p:spPr>
-          <a:xfrm>
-            <a:off x="838200" y="3095072"/>
-            <a:ext cx="10515600" cy="1325563"/>
-          </a:xfrm>
-        </p:spPr>
-        <p:txBody>
-          <a:bodyPr/>
-          <a:lstStyle/>
-          <a:p>
-            <a:r>
-              <a:rPr lang="de-CH" b="1" dirty="0" smtClean="0">
-                <a:solidFill>
-                  <a:srgbClr val="00B050"/>
-                </a:solidFill>
-              </a:rPr>
-              <a:t>Code Review (</a:t>
-            </a:r>
-            <a:r>
-              <a:rPr lang="de-CH" b="1" dirty="0" err="1" smtClean="0">
-                <a:solidFill>
-                  <a:srgbClr val="00B050"/>
-                </a:solidFill>
-              </a:rPr>
-              <a:t>Portmann</a:t>
-            </a:r>
-            <a:r>
-              <a:rPr lang="de-CH" b="1" dirty="0" smtClean="0">
-                <a:solidFill>
-                  <a:srgbClr val="00B050"/>
-                </a:solidFill>
-              </a:rPr>
-              <a:t>)</a:t>
-            </a:r>
-            <a:endParaRPr lang="de-CH" dirty="0"/>
-          </a:p>
-        </p:txBody>
-      </p:sp>
-      <p:sp>
-        <p:nvSpPr>
-          <p:cNvPr id="3" name="Inhaltsplatzhalter 2"/>
-          <p:cNvSpPr>
-            <a:spLocks noGrp="1"/>
-          </p:cNvSpPr>
-          <p:nvPr>
-            <p:ph idx="1"/>
-          </p:nvPr>
-        </p:nvSpPr>
-        <p:spPr>
-          <a:xfrm>
-            <a:off x="838200" y="4638261"/>
-            <a:ext cx="10515600" cy="1538702"/>
-          </a:xfrm>
-        </p:spPr>
-        <p:txBody>
-          <a:bodyPr>
-            <a:normAutofit/>
-          </a:bodyPr>
-          <a:lstStyle/>
-          <a:p>
-            <a:r>
-              <a:rPr lang="de-CH" dirty="0" smtClean="0"/>
-              <a:t>Patient Search</a:t>
-            </a:r>
-          </a:p>
-          <a:p>
-            <a:r>
-              <a:rPr lang="de-CH" dirty="0" smtClean="0"/>
-              <a:t>Patient View </a:t>
-            </a:r>
-            <a:r>
-              <a:rPr lang="de-CH" dirty="0" err="1" smtClean="0"/>
-              <a:t>and</a:t>
-            </a:r>
-            <a:r>
-              <a:rPr lang="de-CH" dirty="0" smtClean="0"/>
-              <a:t> Controller</a:t>
-            </a:r>
-          </a:p>
-          <a:p>
-            <a:r>
-              <a:rPr lang="de-CH" dirty="0" smtClean="0"/>
-              <a:t>(State Pattern)</a:t>
-            </a:r>
-          </a:p>
-        </p:txBody>
-      </p:sp>
-      <p:sp>
-        <p:nvSpPr>
-          <p:cNvPr id="4" name="Titel 1"/>
-          <p:cNvSpPr txBox="1">
-            <a:spLocks/>
-          </p:cNvSpPr>
-          <p:nvPr/>
-        </p:nvSpPr>
-        <p:spPr>
-          <a:xfrm>
-            <a:off x="838200" y="365125"/>
-            <a:ext cx="10515600" cy="1325563"/>
-          </a:xfrm>
-          <a:prstGeom prst="rect">
-            <a:avLst/>
-          </a:prstGeom>
-        </p:spPr>
-        <p:txBody>
-          <a:bodyPr vert="horz" lIns="91440" tIns="45720" rIns="91440" bIns="45720" rtlCol="0" anchor="ctr">
-            <a:normAutofit/>
-          </a:bodyPr>
-          <a:lstStyle>
-            <a:lvl1pPr algn="l" defTabSz="914400" rtl="0" eaLnBrk="1" latinLnBrk="0" hangingPunct="1">
-              <a:lnSpc>
-                <a:spcPct val="90000"/>
-              </a:lnSpc>
-              <a:spcBef>
-                <a:spcPct val="0"/>
-              </a:spcBef>
-              <a:buNone/>
-              <a:defRPr sz="4400" kern="1200">
-                <a:solidFill>
-                  <a:schemeClr val="tx1"/>
-                </a:solidFill>
-                <a:latin typeface="+mj-lt"/>
-                <a:ea typeface="+mj-ea"/>
-                <a:cs typeface="+mj-cs"/>
-              </a:defRPr>
-            </a:lvl1pPr>
-          </a:lstStyle>
-          <a:p>
-            <a:r>
-              <a:rPr lang="de-CH" b="1" smtClean="0">
-                <a:solidFill>
-                  <a:srgbClr val="00B050"/>
-                </a:solidFill>
-              </a:rPr>
-              <a:t>Code Review (Pfister)</a:t>
-            </a:r>
-            <a:endParaRPr lang="de-CH" dirty="0"/>
           </a:p>
         </p:txBody>
       </p:sp>
@@ -4648,8 +4482,8 @@
         </p:nvSpPr>
         <p:spPr>
           <a:xfrm>
-            <a:off x="838200" y="1825625"/>
-            <a:ext cx="10515600" cy="811558"/>
+            <a:off x="838200" y="1563757"/>
+            <a:ext cx="10515600" cy="1073426"/>
           </a:xfrm>
           <a:prstGeom prst="rect">
             <a:avLst/>
@@ -4825,13 +4659,304 @@
           </a:lstStyle>
           <a:p>
             <a:r>
-              <a:rPr lang="de-CH" smtClean="0"/>
+              <a:rPr lang="de-CH" dirty="0" smtClean="0"/>
               <a:t>Login Controller</a:t>
             </a:r>
-            <a:endParaRPr lang="de-CH" dirty="0" smtClean="0"/>
-          </a:p>
-        </p:txBody>
-      </p:sp>
+          </a:p>
+        </p:txBody>
+      </p:sp>
+      <p:sp>
+        <p:nvSpPr>
+          <p:cNvPr id="6" name="Titel 1"/>
+          <p:cNvSpPr txBox="1">
+            <a:spLocks/>
+          </p:cNvSpPr>
+          <p:nvPr/>
+        </p:nvSpPr>
+        <p:spPr>
+          <a:xfrm>
+            <a:off x="838200" y="2552078"/>
+            <a:ext cx="10515600" cy="1325563"/>
+          </a:xfrm>
+          <a:prstGeom prst="rect">
+            <a:avLst/>
+          </a:prstGeom>
+        </p:spPr>
+        <p:txBody>
+          <a:bodyPr vert="horz" lIns="91440" tIns="45720" rIns="91440" bIns="45720" rtlCol="0" anchor="ctr">
+            <a:normAutofit/>
+          </a:bodyPr>
+          <a:lstStyle>
+            <a:lvl1pPr algn="l" defTabSz="914400" rtl="0" eaLnBrk="1" latinLnBrk="0" hangingPunct="1">
+              <a:lnSpc>
+                <a:spcPct val="90000"/>
+              </a:lnSpc>
+              <a:spcBef>
+                <a:spcPct val="0"/>
+              </a:spcBef>
+              <a:buNone/>
+              <a:defRPr sz="4400" kern="1200">
+                <a:solidFill>
+                  <a:schemeClr val="tx1"/>
+                </a:solidFill>
+                <a:latin typeface="+mj-lt"/>
+                <a:ea typeface="+mj-ea"/>
+                <a:cs typeface="+mj-cs"/>
+              </a:defRPr>
+            </a:lvl1pPr>
+          </a:lstStyle>
+          <a:p>
+            <a:r>
+              <a:rPr lang="de-CH" b="1" dirty="0" smtClean="0">
+                <a:solidFill>
+                  <a:srgbClr val="00B050"/>
+                </a:solidFill>
+              </a:rPr>
+              <a:t>Code Review (</a:t>
+            </a:r>
+            <a:r>
+              <a:rPr lang="de-CH" b="1" dirty="0" err="1" smtClean="0">
+                <a:solidFill>
+                  <a:srgbClr val="00B050"/>
+                </a:solidFill>
+              </a:rPr>
+              <a:t>Mele</a:t>
+            </a:r>
+            <a:r>
+              <a:rPr lang="de-CH" b="1" dirty="0" smtClean="0">
+                <a:solidFill>
+                  <a:srgbClr val="00B050"/>
+                </a:solidFill>
+              </a:rPr>
+              <a:t>)</a:t>
+            </a:r>
+            <a:endParaRPr lang="de-CH" dirty="0"/>
+          </a:p>
+        </p:txBody>
+      </p:sp>
+      <p:pic>
+        <p:nvPicPr>
+          <p:cNvPr id="7" name="Grafik 6"/>
+          <p:cNvPicPr>
+            <a:picLocks noChangeAspect="1"/>
+          </p:cNvPicPr>
+          <p:nvPr/>
+        </p:nvPicPr>
+        <p:blipFill>
+          <a:blip r:embed="rId2">
+            <a:extLst>
+              <a:ext uri="{28A0092B-C50C-407E-A947-70E740481C1C}">
+                <a14:useLocalDpi xmlns:a14="http://schemas.microsoft.com/office/drawing/2010/main" val="0"/>
+              </a:ext>
+            </a:extLst>
+          </a:blip>
+          <a:stretch>
+            <a:fillRect/>
+          </a:stretch>
+        </p:blipFill>
+        <p:spPr>
+          <a:xfrm>
+            <a:off x="8044070" y="5196827"/>
+            <a:ext cx="3595990" cy="845058"/>
+          </a:xfrm>
+          <a:prstGeom prst="rect">
+            <a:avLst/>
+          </a:prstGeom>
+        </p:spPr>
+      </p:pic>
+    </p:spTree>
+    <p:extLst>
+      <p:ext uri="{BB962C8B-B14F-4D97-AF65-F5344CB8AC3E}">
+        <p14:creationId xmlns:p14="http://schemas.microsoft.com/office/powerpoint/2010/main" val="2528679063"/>
+      </p:ext>
+    </p:extLst>
+  </p:cSld>
+  <p:clrMapOvr>
+    <a:masterClrMapping/>
+  </p:clrMapOvr>
+  <p:timing>
+    <p:tnLst>
+      <p:par>
+        <p:cTn id="1" dur="indefinite" restart="never" nodeType="tmRoot"/>
+      </p:par>
+    </p:tnLst>
+  </p:timing>
+</p:sld>
+</file>
+
+<file path=ppt/slides/slide5.xml><?xml version="1.0" encoding="utf-8"?>
+<p:sld xmlns:a="http://schemas.openxmlformats.org/drawingml/2006/main" xmlns:r="http://schemas.openxmlformats.org/officeDocument/2006/relationships" xmlns:p="http://schemas.openxmlformats.org/presentationml/2006/main">
+  <p:cSld>
+    <p:spTree>
+      <p:nvGrpSpPr>
+        <p:cNvPr id="1" name=""/>
+        <p:cNvGrpSpPr/>
+        <p:nvPr/>
+      </p:nvGrpSpPr>
+      <p:grpSpPr>
+        <a:xfrm>
+          <a:off x="0" y="0"/>
+          <a:ext cx="0" cy="0"/>
+          <a:chOff x="0" y="0"/>
+          <a:chExt cx="0" cy="0"/>
+        </a:xfrm>
+      </p:grpSpPr>
+      <p:sp>
+        <p:nvSpPr>
+          <p:cNvPr id="3" name="Inhaltsplatzhalter 2"/>
+          <p:cNvSpPr>
+            <a:spLocks noGrp="1"/>
+          </p:cNvSpPr>
+          <p:nvPr>
+            <p:ph idx="1"/>
+          </p:nvPr>
+        </p:nvSpPr>
+        <p:spPr>
+          <a:xfrm>
+            <a:off x="838200" y="1690689"/>
+            <a:ext cx="10515600" cy="4486274"/>
+          </a:xfrm>
+        </p:spPr>
+        <p:txBody>
+          <a:bodyPr>
+            <a:normAutofit/>
+          </a:bodyPr>
+          <a:lstStyle/>
+          <a:p>
+            <a:r>
+              <a:rPr lang="de-CH" dirty="0" smtClean="0"/>
+              <a:t>Patient Search</a:t>
+            </a:r>
+          </a:p>
+          <a:p>
+            <a:r>
+              <a:rPr lang="de-CH" dirty="0" smtClean="0"/>
+              <a:t>Patient View </a:t>
+            </a:r>
+            <a:r>
+              <a:rPr lang="de-CH" dirty="0" err="1" smtClean="0"/>
+              <a:t>and</a:t>
+            </a:r>
+            <a:r>
+              <a:rPr lang="de-CH" dirty="0" smtClean="0"/>
+              <a:t> Controller</a:t>
+            </a:r>
+          </a:p>
+          <a:p>
+            <a:r>
+              <a:rPr lang="de-CH" dirty="0" smtClean="0"/>
+              <a:t>(State Pattern)</a:t>
+            </a:r>
+          </a:p>
+        </p:txBody>
+      </p:sp>
+      <p:sp>
+        <p:nvSpPr>
+          <p:cNvPr id="4" name="Titel 1"/>
+          <p:cNvSpPr txBox="1">
+            <a:spLocks/>
+          </p:cNvSpPr>
+          <p:nvPr/>
+        </p:nvSpPr>
+        <p:spPr>
+          <a:xfrm>
+            <a:off x="838200" y="450575"/>
+            <a:ext cx="10515600" cy="1240114"/>
+          </a:xfrm>
+          <a:prstGeom prst="rect">
+            <a:avLst/>
+          </a:prstGeom>
+        </p:spPr>
+        <p:txBody>
+          <a:bodyPr vert="horz" lIns="91440" tIns="45720" rIns="91440" bIns="45720" rtlCol="0" anchor="ctr">
+            <a:normAutofit/>
+          </a:bodyPr>
+          <a:lstStyle>
+            <a:lvl1pPr algn="l" defTabSz="914400" rtl="0" eaLnBrk="1" latinLnBrk="0" hangingPunct="1">
+              <a:lnSpc>
+                <a:spcPct val="90000"/>
+              </a:lnSpc>
+              <a:spcBef>
+                <a:spcPct val="0"/>
+              </a:spcBef>
+              <a:buNone/>
+              <a:defRPr sz="4400" kern="1200">
+                <a:solidFill>
+                  <a:schemeClr val="tx1"/>
+                </a:solidFill>
+                <a:latin typeface="+mj-lt"/>
+                <a:ea typeface="+mj-ea"/>
+                <a:cs typeface="+mj-cs"/>
+              </a:defRPr>
+            </a:lvl1pPr>
+          </a:lstStyle>
+          <a:p>
+            <a:r>
+              <a:rPr lang="de-CH" b="1" dirty="0" smtClean="0">
+                <a:solidFill>
+                  <a:srgbClr val="00B050"/>
+                </a:solidFill>
+              </a:rPr>
+              <a:t>Code Review </a:t>
+            </a:r>
+            <a:r>
+              <a:rPr lang="de-CH" b="1" dirty="0" smtClean="0">
+                <a:solidFill>
+                  <a:srgbClr val="00B050"/>
+                </a:solidFill>
+              </a:rPr>
+              <a:t>(</a:t>
+            </a:r>
+            <a:r>
+              <a:rPr lang="de-CH" b="1" dirty="0" err="1" smtClean="0">
+                <a:solidFill>
+                  <a:srgbClr val="00B050"/>
+                </a:solidFill>
+              </a:rPr>
+              <a:t>Portmann</a:t>
+            </a:r>
+            <a:r>
+              <a:rPr lang="de-CH" b="1" dirty="0" smtClean="0">
+                <a:solidFill>
+                  <a:srgbClr val="00B050"/>
+                </a:solidFill>
+              </a:rPr>
+              <a:t>)</a:t>
+            </a:r>
+            <a:endParaRPr lang="de-CH" dirty="0"/>
+          </a:p>
+        </p:txBody>
+      </p:sp>
+      <p:pic>
+        <p:nvPicPr>
+          <p:cNvPr id="7" name="Grafik 6"/>
+          <p:cNvPicPr>
+            <a:picLocks noChangeAspect="1"/>
+          </p:cNvPicPr>
+          <p:nvPr/>
+        </p:nvPicPr>
+        <p:blipFill>
+          <a:blip r:embed="rId2">
+            <a:extLst>
+              <a:ext uri="{28A0092B-C50C-407E-A947-70E740481C1C}">
+                <a14:useLocalDpi xmlns:a14="http://schemas.microsoft.com/office/drawing/2010/main" val="0"/>
+              </a:ext>
+            </a:extLst>
+          </a:blip>
+          <a:stretch>
+            <a:fillRect/>
+          </a:stretch>
+        </p:blipFill>
+        <p:spPr>
+          <a:xfrm>
+            <a:off x="8044070" y="5196827"/>
+            <a:ext cx="3595990" cy="845058"/>
+          </a:xfrm>
+          <a:prstGeom prst="rect">
+            <a:avLst/>
+          </a:prstGeom>
+        </p:spPr>
+      </p:pic>
     </p:spTree>
     <p:extLst>
       <p:ext uri="{BB962C8B-B14F-4D97-AF65-F5344CB8AC3E}">
@@ -4964,6 +5089,36 @@
           </a:p>
         </p:txBody>
       </p:sp>
+      <p:pic>
+        <p:nvPicPr>
+          <p:cNvPr id="4" name="Grafik 3"/>
+          <p:cNvPicPr>
+            <a:picLocks noChangeAspect="1"/>
+          </p:cNvPicPr>
+          <p:nvPr/>
+        </p:nvPicPr>
+        <p:blipFill>
+          <a:blip r:embed="rId2">
+            <a:extLst>
+              <a:ext uri="{28A0092B-C50C-407E-A947-70E740481C1C}">
+                <a14:useLocalDpi xmlns:a14="http://schemas.microsoft.com/office/drawing/2010/main" val="0"/>
+              </a:ext>
+            </a:extLst>
+          </a:blip>
+          <a:stretch>
+            <a:fillRect/>
+          </a:stretch>
+        </p:blipFill>
+        <p:spPr>
+          <a:xfrm>
+            <a:off x="8044070" y="5196827"/>
+            <a:ext cx="3595990" cy="845058"/>
+          </a:xfrm>
+          <a:prstGeom prst="rect">
+            <a:avLst/>
+          </a:prstGeom>
+        </p:spPr>
+      </p:pic>
     </p:spTree>
     <p:extLst>
       <p:ext uri="{BB962C8B-B14F-4D97-AF65-F5344CB8AC3E}">
@@ -5129,6 +5284,60 @@
           </a:p>
         </p:txBody>
       </p:sp>
+      <p:pic>
+        <p:nvPicPr>
+          <p:cNvPr id="4" name="Picture 2"/>
+          <p:cNvPicPr>
+            <a:picLocks noChangeAspect="1" noChangeArrowheads="1"/>
+          </p:cNvPicPr>
+          <p:nvPr/>
+        </p:nvPicPr>
+        <p:blipFill>
+          <a:blip r:embed="rId2" cstate="print">
+            <a:extLst>
+              <a:ext uri="{28A0092B-C50C-407E-A947-70E740481C1C}">
+                <a14:useLocalDpi xmlns:a14="http://schemas.microsoft.com/office/drawing/2010/main" val="0"/>
+              </a:ext>
+            </a:extLst>
+          </a:blip>
+          <a:srcRect/>
+          <a:stretch>
+            <a:fillRect/>
+          </a:stretch>
+        </p:blipFill>
+        <p:spPr bwMode="auto">
+          <a:xfrm>
+            <a:off x="7008339" y="3551582"/>
+            <a:ext cx="4784178" cy="3077786"/>
+          </a:xfrm>
+          <a:prstGeom prst="rect">
+            <a:avLst/>
+          </a:prstGeom>
+          <a:noFill/>
+          <a:ln>
+            <a:noFill/>
+          </a:ln>
+          <a:extLst>
+            <a:ext uri="{909E8E84-426E-40DD-AFC4-6F175D3DCCD1}">
+              <a14:hiddenFill xmlns:a14="http://schemas.microsoft.com/office/drawing/2010/main">
+                <a:solidFill>
+                  <a:schemeClr val="accent1"/>
+                </a:solidFill>
+              </a14:hiddenFill>
+            </a:ext>
+            <a:ext uri="{91240B29-F687-4F45-9708-019B960494DF}">
+              <a14:hiddenLine xmlns:a14="http://schemas.microsoft.com/office/drawing/2010/main" w="9525">
+                <a:solidFill>
+                  <a:schemeClr val="tx1"/>
+                </a:solidFill>
+                <a:miter lim="800000"/>
+                <a:headEnd/>
+                <a:tailEnd/>
+              </a14:hiddenLine>
+            </a:ext>
+          </a:extLst>
+        </p:spPr>
+      </p:pic>
     </p:spTree>
     <p:extLst>
       <p:ext uri="{BB962C8B-B14F-4D97-AF65-F5344CB8AC3E}">
@@ -5287,6 +5496,30 @@
           </a:p>
         </p:txBody>
       </p:sp>
+      <p:pic>
+        <p:nvPicPr>
+          <p:cNvPr id="4" name="Grafik 3"/>
+          <p:cNvPicPr>
+            <a:picLocks noChangeAspect="1"/>
+          </p:cNvPicPr>
+          <p:nvPr/>
+        </p:nvPicPr>
+        <p:blipFill>
+          <a:blip r:embed="rId2"/>
+          <a:stretch>
+            <a:fillRect/>
+          </a:stretch>
+        </p:blipFill>
+        <p:spPr>
+          <a:xfrm>
+            <a:off x="7154367" y="3074504"/>
+            <a:ext cx="4729722" cy="3526211"/>
+          </a:xfrm>
+          <a:prstGeom prst="rect">
+            <a:avLst/>
+          </a:prstGeom>
+        </p:spPr>
+      </p:pic>
     </p:spTree>
     <p:extLst>
       <p:ext uri="{BB962C8B-B14F-4D97-AF65-F5344CB8AC3E}">

--- a/doc/task14/Task14.pptx
+++ b/doc/task14/Task14.pptx
@@ -3570,7 +3570,7 @@
       </p:sp>
       <p:pic>
         <p:nvPicPr>
-          <p:cNvPr id="5" name="Grafik 4"/>
+          <p:cNvPr id="4" name="Grafik 3"/>
           <p:cNvPicPr>
             <a:picLocks noChangeAspect="1"/>
           </p:cNvPicPr>
@@ -3584,8 +3584,8 @@
         </p:blipFill>
         <p:spPr>
           <a:xfrm>
-            <a:off x="5221357" y="865295"/>
-            <a:ext cx="5632173" cy="5879741"/>
+            <a:off x="5486401" y="683623"/>
+            <a:ext cx="6705600" cy="6174377"/>
           </a:xfrm>
           <a:prstGeom prst="rect">
             <a:avLst/>
@@ -3795,8 +3795,23 @@
           <a:p>
             <a:r>
               <a:rPr lang="de-CH" dirty="0" smtClean="0"/>
-              <a:t>Aufgabenverteilung und Umsetzung muss KLAR sein, bevor jeder für sich an seiner Klasse arbeitet</a:t>
-            </a:r>
+              <a:t>Aufgabenverteilung und Umsetzung muss KLAR sein, bevor jeder für sich an seiner Klasse </a:t>
+            </a:r>
+            <a:r>
+              <a:rPr lang="de-CH" dirty="0" smtClean="0"/>
+              <a:t>arbeitet</a:t>
+            </a:r>
+          </a:p>
+          <a:p>
+            <a:r>
+              <a:rPr lang="de-CH" dirty="0" smtClean="0"/>
+              <a:t>Keine Erfahrung mit </a:t>
+            </a:r>
+            <a:r>
+              <a:rPr lang="de-CH" dirty="0" err="1" smtClean="0"/>
+              <a:t>Vaadin</a:t>
+            </a:r>
+            <a:endParaRPr lang="de-CH" dirty="0" smtClean="0"/>
           </a:p>
           <a:p>
             <a:endParaRPr lang="de-CH" dirty="0"/>
@@ -4054,11 +4069,7 @@
             </a:pPr>
             <a:r>
               <a:rPr lang="de-CH" dirty="0" smtClean="0"/>
-              <a:t>Code </a:t>
-            </a:r>
-            <a:r>
-              <a:rPr lang="de-CH" dirty="0" smtClean="0"/>
-              <a:t>Review</a:t>
+              <a:t>Code Review</a:t>
             </a:r>
           </a:p>
           <a:p>
@@ -4400,15 +4411,7 @@
                   <a:srgbClr val="00B050"/>
                 </a:solidFill>
               </a:rPr>
-              <a:t>Code Review </a:t>
-            </a:r>
-            <a:r>
-              <a:rPr lang="de-CH" b="1" dirty="0" smtClean="0">
-                <a:solidFill>
-                  <a:srgbClr val="00B050"/>
-                </a:solidFill>
-              </a:rPr>
-              <a:t>(Pfister)</a:t>
+              <a:t>Code Review (Pfister)</a:t>
             </a:r>
             <a:endParaRPr lang="de-CH" dirty="0"/>
           </a:p>
@@ -4897,15 +4900,7 @@
                   <a:srgbClr val="00B050"/>
                 </a:solidFill>
               </a:rPr>
-              <a:t>Code Review </a:t>
-            </a:r>
-            <a:r>
-              <a:rPr lang="de-CH" b="1" dirty="0" smtClean="0">
-                <a:solidFill>
-                  <a:srgbClr val="00B050"/>
-                </a:solidFill>
-              </a:rPr>
-              <a:t>(</a:t>
+              <a:t>Code Review (</a:t>
             </a:r>
             <a:r>
               <a:rPr lang="de-CH" b="1" dirty="0" err="1" smtClean="0">
@@ -5226,13 +5221,7 @@
               <a:rPr lang="de-CH" dirty="0" smtClean="0">
                 <a:sym typeface="Wingdings" panose="05000000000000000000" pitchFamily="2" charset="2"/>
               </a:rPr>
-              <a:t>Viele Storyboards </a:t>
-            </a:r>
-            <a:r>
-              <a:rPr lang="de-CH" dirty="0" smtClean="0">
-                <a:sym typeface="Wingdings" panose="05000000000000000000" pitchFamily="2" charset="2"/>
-              </a:rPr>
-              <a:t>zu ähnlich</a:t>
+              <a:t>Viele Storyboards zu ähnlich</a:t>
             </a:r>
           </a:p>
           <a:p>
@@ -5637,7 +5626,6 @@
               <a:rPr lang="de-CH" dirty="0" smtClean="0"/>
               <a:t> - ok</a:t>
             </a:r>
-            <a:endParaRPr lang="de-CH" dirty="0" smtClean="0"/>
           </a:p>
           <a:p>
             <a:pPr lvl="1"/>
@@ -5665,7 +5653,7 @@
       </p:sp>
       <p:pic>
         <p:nvPicPr>
-          <p:cNvPr id="4" name="Grafik 3"/>
+          <p:cNvPr id="5" name="Grafik 4"/>
           <p:cNvPicPr>
             <a:picLocks noChangeAspect="1"/>
           </p:cNvPicPr>
@@ -5679,8 +5667,8 @@
         </p:blipFill>
         <p:spPr>
           <a:xfrm>
-            <a:off x="2104934" y="3151953"/>
-            <a:ext cx="7240010" cy="2886478"/>
+            <a:off x="2186237" y="3101140"/>
+            <a:ext cx="9611431" cy="3210760"/>
           </a:xfrm>
           <a:prstGeom prst="rect">
             <a:avLst/>

--- a/doc/task14/Task14.pptx
+++ b/doc/task14/Task14.pptx
@@ -3570,7 +3570,7 @@
       </p:sp>
       <p:pic>
         <p:nvPicPr>
-          <p:cNvPr id="4" name="Grafik 3"/>
+          <p:cNvPr id="5" name="Grafik 4"/>
           <p:cNvPicPr>
             <a:picLocks noChangeAspect="1"/>
           </p:cNvPicPr>
@@ -3584,8 +3584,8 @@
         </p:blipFill>
         <p:spPr>
           <a:xfrm>
-            <a:off x="5486401" y="683623"/>
-            <a:ext cx="6705600" cy="6174377"/>
+            <a:off x="6096000" y="633445"/>
+            <a:ext cx="5655103" cy="6011825"/>
           </a:xfrm>
           <a:prstGeom prst="rect">
             <a:avLst/>
@@ -3795,11 +3795,7 @@
           <a:p>
             <a:r>
               <a:rPr lang="de-CH" dirty="0" smtClean="0"/>
-              <a:t>Aufgabenverteilung und Umsetzung muss KLAR sein, bevor jeder für sich an seiner Klasse </a:t>
-            </a:r>
-            <a:r>
-              <a:rPr lang="de-CH" dirty="0" smtClean="0"/>
-              <a:t>arbeitet</a:t>
+              <a:t>Aufgabenverteilung und Umsetzung muss KLAR sein, bevor jeder für sich an seiner Klasse arbeitet</a:t>
             </a:r>
           </a:p>
           <a:p>
@@ -5653,7 +5649,7 @@
       </p:sp>
       <p:pic>
         <p:nvPicPr>
-          <p:cNvPr id="5" name="Grafik 4"/>
+          <p:cNvPr id="4" name="Grafik 3"/>
           <p:cNvPicPr>
             <a:picLocks noChangeAspect="1"/>
           </p:cNvPicPr>
@@ -5667,8 +5663,8 @@
         </p:blipFill>
         <p:spPr>
           <a:xfrm>
-            <a:off x="2186237" y="3101140"/>
-            <a:ext cx="9611431" cy="3210760"/>
+            <a:off x="1834090" y="3180522"/>
+            <a:ext cx="8522480" cy="3212662"/>
           </a:xfrm>
           <a:prstGeom prst="rect">
             <a:avLst/>

--- a/doc/task14/Task14.pptx
+++ b/doc/task14/Task14.pptx
@@ -3932,7 +3932,7 @@
       </p:sp>
       <p:pic>
         <p:nvPicPr>
-          <p:cNvPr id="7" name="Grafik 6"/>
+          <p:cNvPr id="3" name="Grafik 2"/>
           <p:cNvPicPr>
             <a:picLocks noChangeAspect="1"/>
           </p:cNvPicPr>
@@ -3952,8 +3952,8 @@
         </p:blipFill>
         <p:spPr>
           <a:xfrm>
-            <a:off x="4126756" y="2238055"/>
-            <a:ext cx="3938488" cy="4318000"/>
+            <a:off x="2683565" y="1526129"/>
+            <a:ext cx="6824869" cy="5194483"/>
           </a:xfrm>
           <a:prstGeom prst="rect">
             <a:avLst/>
